--- a/trunk/saadasvn/graphicalstuff/IconSource.pptx
+++ b/trunk/saadasvn/graphicalstuff/IconSource.pptx
@@ -263,7 +263,7 @@
             <a:fld id="{71E4D00F-07F8-D24D-A257-E8C022381A63}" type="datetimeFigureOut">
               <a:rPr lang="fr-FR" smtClean="0"/>
               <a:pPr/>
-              <a:t>5/12/11</a:t>
+              <a:t>26/01/12</a:t>
             </a:fld>
             <a:endParaRPr lang="en-US"/>
           </a:p>
@@ -426,7 +426,7 @@
             <a:fld id="{3F889040-D2DA-FA4A-941C-FD8F350D7EA2}" type="datetimeFigureOut">
               <a:rPr lang="fr-FR" smtClean="0"/>
               <a:pPr/>
-              <a:t>5/12/11</a:t>
+              <a:t>26/01/12</a:t>
             </a:fld>
             <a:endParaRPr lang="en-US"/>
           </a:p>
@@ -9553,6 +9553,138 @@
           </a:prstGeom>
         </p:spPr>
       </p:pic>
+      <p:sp>
+        <p:nvSpPr>
+          <p:cNvPr id="10" name="Flèche vers la gauche 9"/>
+          <p:cNvSpPr/>
+          <p:nvPr/>
+        </p:nvSpPr>
+        <p:spPr>
+          <a:xfrm rot="10800000">
+            <a:off x="1949450" y="1682750"/>
+            <a:ext cx="876300" cy="1028700"/>
+          </a:xfrm>
+          <a:prstGeom prst="leftArrow">
+            <a:avLst>
+              <a:gd name="adj1" fmla="val 50000"/>
+              <a:gd name="adj2" fmla="val 109877"/>
+            </a:avLst>
+          </a:prstGeom>
+          <a:solidFill>
+            <a:schemeClr val="bg1">
+              <a:lumMod val="50000"/>
+            </a:schemeClr>
+          </a:solidFill>
+          <a:ln>
+            <a:noFill/>
+          </a:ln>
+          <a:effectLst/>
+          <a:scene3d>
+            <a:camera prst="orthographicFront" fov="0">
+              <a:rot lat="0" lon="0" rev="0"/>
+            </a:camera>
+            <a:lightRig rig="brightRoom" dir="tl">
+              <a:rot lat="0" lon="0" rev="8700000"/>
+            </a:lightRig>
+          </a:scene3d>
+          <a:sp3d>
+            <a:bevelT w="0" h="0"/>
+            <a:contourClr>
+              <a:schemeClr val="accent1">
+                <a:shade val="80000"/>
+              </a:schemeClr>
+            </a:contourClr>
+          </a:sp3d>
+        </p:spPr>
+        <p:style>
+          <a:lnRef idx="1">
+            <a:schemeClr val="accent1"/>
+          </a:lnRef>
+          <a:fillRef idx="3">
+            <a:schemeClr val="accent1"/>
+          </a:fillRef>
+          <a:effectRef idx="2">
+            <a:schemeClr val="accent1"/>
+          </a:effectRef>
+          <a:fontRef idx="minor">
+            <a:schemeClr val="lt1"/>
+          </a:fontRef>
+        </p:style>
+        <p:txBody>
+          <a:bodyPr rtlCol="0" anchor="ctr"/>
+          <a:lstStyle/>
+          <a:p>
+            <a:pPr algn="ctr"/>
+            <a:endParaRPr lang="fr-FR"/>
+          </a:p>
+        </p:txBody>
+      </p:sp>
+      <p:sp>
+        <p:nvSpPr>
+          <p:cNvPr id="11" name="Flèche vers la gauche 10"/>
+          <p:cNvSpPr/>
+          <p:nvPr/>
+        </p:nvSpPr>
+        <p:spPr>
+          <a:xfrm rot="16200000">
+            <a:off x="1949449" y="3194050"/>
+            <a:ext cx="876300" cy="1028700"/>
+          </a:xfrm>
+          <a:prstGeom prst="leftArrow">
+            <a:avLst>
+              <a:gd name="adj1" fmla="val 50000"/>
+              <a:gd name="adj2" fmla="val 109877"/>
+            </a:avLst>
+          </a:prstGeom>
+          <a:solidFill>
+            <a:schemeClr val="bg1">
+              <a:lumMod val="50000"/>
+            </a:schemeClr>
+          </a:solidFill>
+          <a:ln>
+            <a:noFill/>
+          </a:ln>
+          <a:effectLst/>
+          <a:scene3d>
+            <a:camera prst="orthographicFront" fov="0">
+              <a:rot lat="0" lon="0" rev="0"/>
+            </a:camera>
+            <a:lightRig rig="brightRoom" dir="tl">
+              <a:rot lat="0" lon="0" rev="8700000"/>
+            </a:lightRig>
+          </a:scene3d>
+          <a:sp3d>
+            <a:bevelT w="0" h="0"/>
+            <a:contourClr>
+              <a:schemeClr val="accent1">
+                <a:shade val="80000"/>
+              </a:schemeClr>
+            </a:contourClr>
+          </a:sp3d>
+        </p:spPr>
+        <p:style>
+          <a:lnRef idx="1">
+            <a:schemeClr val="accent1"/>
+          </a:lnRef>
+          <a:fillRef idx="3">
+            <a:schemeClr val="accent1"/>
+          </a:fillRef>
+          <a:effectRef idx="2">
+            <a:schemeClr val="accent1"/>
+          </a:effectRef>
+          <a:fontRef idx="minor">
+            <a:schemeClr val="lt1"/>
+          </a:fontRef>
+        </p:style>
+        <p:txBody>
+          <a:bodyPr rtlCol="0" anchor="ctr"/>
+          <a:lstStyle/>
+          <a:p>
+            <a:pPr algn="ctr"/>
+            <a:endParaRPr lang="fr-FR"/>
+          </a:p>
+        </p:txBody>
+      </p:sp>
     </p:spTree>
   </p:cSld>
   <p:clrMapOvr>

--- a/trunk/saadasvn/graphicalstuff/IconSource.pptx
+++ b/trunk/saadasvn/graphicalstuff/IconSource.pptx
@@ -5,10 +5,10 @@
     <p:sldMasterId id="2147483660" r:id="rId1"/>
   </p:sldMasterIdLst>
   <p:notesMasterIdLst>
-    <p:notesMasterId r:id="rId71"/>
+    <p:notesMasterId r:id="rId72"/>
   </p:notesMasterIdLst>
   <p:handoutMasterIdLst>
-    <p:handoutMasterId r:id="rId72"/>
+    <p:handoutMasterId r:id="rId73"/>
   </p:handoutMasterIdLst>
   <p:sldIdLst>
     <p:sldId id="272" r:id="rId2"/>
@@ -75,11 +75,12 @@
     <p:sldId id="327" r:id="rId63"/>
     <p:sldId id="304" r:id="rId64"/>
     <p:sldId id="337" r:id="rId65"/>
-    <p:sldId id="305" r:id="rId66"/>
-    <p:sldId id="342" r:id="rId67"/>
-    <p:sldId id="277" r:id="rId68"/>
-    <p:sldId id="275" r:id="rId69"/>
-    <p:sldId id="273" r:id="rId70"/>
+    <p:sldId id="344" r:id="rId66"/>
+    <p:sldId id="305" r:id="rId67"/>
+    <p:sldId id="342" r:id="rId68"/>
+    <p:sldId id="277" r:id="rId69"/>
+    <p:sldId id="275" r:id="rId70"/>
+    <p:sldId id="273" r:id="rId71"/>
   </p:sldIdLst>
   <p:sldSz cx="9144000" cy="6858000" type="screen4x3"/>
   <p:notesSz cx="6858000" cy="9144000"/>
@@ -264,7 +265,7 @@
             <a:fld id="{71E4D00F-07F8-D24D-A257-E8C022381A63}" type="datetimeFigureOut">
               <a:rPr lang="fr-FR" smtClean="0"/>
               <a:pPr/>
-              <a:t>10/02/12</a:t>
+              <a:t>21/02/12</a:t>
             </a:fld>
             <a:endParaRPr lang="en-US"/>
           </a:p>
@@ -427,7 +428,7 @@
             <a:fld id="{3F889040-D2DA-FA4A-941C-FD8F350D7EA2}" type="datetimeFigureOut">
               <a:rPr lang="fr-FR" smtClean="0"/>
               <a:pPr/>
-              <a:t>10/02/12</a:t>
+              <a:t>21/02/12</a:t>
             </a:fld>
             <a:endParaRPr lang="en-US"/>
           </a:p>
@@ -39814,7 +39815,7 @@
         </p:nvGrpSpPr>
         <p:grpSpPr>
           <a:xfrm>
-            <a:off x="1269870" y="857471"/>
+            <a:off x="1164040" y="312685"/>
             <a:ext cx="1481510" cy="1511973"/>
             <a:chOff x="1269870" y="857471"/>
             <a:chExt cx="1481510" cy="1511973"/>
@@ -39954,7 +39955,7 @@
         </p:nvGrpSpPr>
         <p:grpSpPr>
           <a:xfrm>
-            <a:off x="1352207" y="2965568"/>
+            <a:off x="1352207" y="2154799"/>
             <a:ext cx="1423787" cy="2049509"/>
             <a:chOff x="1352207" y="2965568"/>
             <a:chExt cx="1423787" cy="2049509"/>
@@ -40188,6 +40189,146 @@
             <a:ln>
               <a:noFill/>
             </a:ln>
+            <a:scene3d>
+              <a:camera prst="orthographicFront" fov="0">
+                <a:rot lat="0" lon="0" rev="0"/>
+              </a:camera>
+              <a:lightRig rig="brightRoom" dir="tl">
+                <a:rot lat="0" lon="0" rev="8700000"/>
+              </a:lightRig>
+            </a:scene3d>
+            <a:sp3d>
+              <a:bevelT w="0" h="0"/>
+              <a:contourClr>
+                <a:schemeClr val="accent1">
+                  <a:shade val="80000"/>
+                </a:schemeClr>
+              </a:contourClr>
+            </a:sp3d>
+          </p:spPr>
+          <p:style>
+            <a:lnRef idx="1">
+              <a:schemeClr val="accent1"/>
+            </a:lnRef>
+            <a:fillRef idx="3">
+              <a:schemeClr val="accent1"/>
+            </a:fillRef>
+            <a:effectRef idx="2">
+              <a:schemeClr val="accent1"/>
+            </a:effectRef>
+            <a:fontRef idx="minor">
+              <a:schemeClr val="lt1"/>
+            </a:fontRef>
+          </p:style>
+          <p:txBody>
+            <a:bodyPr rtlCol="0" anchor="ctr"/>
+            <a:lstStyle/>
+            <a:p>
+              <a:pPr algn="ctr"/>
+              <a:endParaRPr lang="fr-FR"/>
+            </a:p>
+          </p:txBody>
+        </p:sp>
+      </p:grpSp>
+      <p:grpSp>
+        <p:nvGrpSpPr>
+          <p:cNvPr id="31" name="Grouper 30"/>
+          <p:cNvGrpSpPr/>
+          <p:nvPr/>
+        </p:nvGrpSpPr>
+        <p:grpSpPr>
+          <a:xfrm>
+            <a:off x="1422270" y="4793577"/>
+            <a:ext cx="1481510" cy="1511973"/>
+            <a:chOff x="1269870" y="857471"/>
+            <a:chExt cx="1481510" cy="1511973"/>
+          </a:xfrm>
+        </p:grpSpPr>
+        <p:sp>
+          <p:nvSpPr>
+            <p:cNvPr id="32" name="Rectangle 31"/>
+            <p:cNvSpPr/>
+            <p:nvPr/>
+          </p:nvSpPr>
+          <p:spPr>
+            <a:xfrm>
+              <a:off x="1269870" y="857471"/>
+              <a:ext cx="1481510" cy="1511973"/>
+            </a:xfrm>
+            <a:prstGeom prst="rect">
+              <a:avLst/>
+            </a:prstGeom>
+            <a:solidFill>
+              <a:schemeClr val="accent1">
+                <a:lumMod val="60000"/>
+                <a:lumOff val="40000"/>
+              </a:schemeClr>
+            </a:solidFill>
+            <a:ln>
+              <a:noFill/>
+            </a:ln>
+            <a:effectLst/>
+            <a:scene3d>
+              <a:camera prst="orthographicFront" fov="0">
+                <a:rot lat="0" lon="0" rev="0"/>
+              </a:camera>
+              <a:lightRig rig="brightRoom" dir="tl">
+                <a:rot lat="0" lon="0" rev="8700000"/>
+              </a:lightRig>
+            </a:scene3d>
+            <a:sp3d>
+              <a:bevelT w="0" h="0"/>
+              <a:contourClr>
+                <a:schemeClr val="accent1">
+                  <a:shade val="80000"/>
+                </a:schemeClr>
+              </a:contourClr>
+            </a:sp3d>
+          </p:spPr>
+          <p:style>
+            <a:lnRef idx="1">
+              <a:schemeClr val="accent1"/>
+            </a:lnRef>
+            <a:fillRef idx="3">
+              <a:schemeClr val="accent1"/>
+            </a:fillRef>
+            <a:effectRef idx="2">
+              <a:schemeClr val="accent1"/>
+            </a:effectRef>
+            <a:fontRef idx="minor">
+              <a:schemeClr val="lt1"/>
+            </a:fontRef>
+          </p:style>
+          <p:txBody>
+            <a:bodyPr rtlCol="0" anchor="ctr"/>
+            <a:lstStyle/>
+            <a:p>
+              <a:pPr algn="ctr"/>
+              <a:endParaRPr lang="fr-FR"/>
+            </a:p>
+          </p:txBody>
+        </p:sp>
+        <p:sp>
+          <p:nvSpPr>
+            <p:cNvPr id="33" name="Rectangle à coins arrondis 32"/>
+            <p:cNvSpPr/>
+            <p:nvPr/>
+          </p:nvSpPr>
+          <p:spPr>
+            <a:xfrm>
+              <a:off x="1423790" y="1053989"/>
+              <a:ext cx="1173664" cy="1100810"/>
+            </a:xfrm>
+            <a:prstGeom prst="roundRect">
+              <a:avLst/>
+            </a:prstGeom>
+            <a:solidFill>
+              <a:srgbClr val="FF6600"/>
+            </a:solidFill>
+            <a:ln>
+              <a:noFill/>
+            </a:ln>
+            <a:effectLst/>
             <a:scene3d>
               <a:camera prst="orthographicFront" fov="0">
                 <a:rot lat="0" lon="0" rev="0"/>
@@ -40326,6 +40467,535 @@
               <a:rPr lang="fr-FR" smtClean="0"/>
               <a:pPr/>
               <a:t>65</a:t>
+            </a:fld>
+            <a:endParaRPr lang="fr-FR"/>
+          </a:p>
+        </p:txBody>
+      </p:sp>
+      <p:sp>
+        <p:nvSpPr>
+          <p:cNvPr id="33" name="Rectangle à coins arrondis 32"/>
+          <p:cNvSpPr/>
+          <p:nvPr/>
+        </p:nvSpPr>
+        <p:spPr>
+          <a:xfrm>
+            <a:off x="1576190" y="1130965"/>
+            <a:ext cx="1173664" cy="1100810"/>
+          </a:xfrm>
+          <a:prstGeom prst="roundRect">
+            <a:avLst/>
+          </a:prstGeom>
+          <a:solidFill>
+            <a:srgbClr val="FF6600"/>
+          </a:solidFill>
+          <a:ln>
+            <a:noFill/>
+          </a:ln>
+          <a:effectLst/>
+          <a:scene3d>
+            <a:camera prst="orthographicFront" fov="0">
+              <a:rot lat="0" lon="0" rev="0"/>
+            </a:camera>
+            <a:lightRig rig="brightRoom" dir="tl">
+              <a:rot lat="0" lon="0" rev="8700000"/>
+            </a:lightRig>
+          </a:scene3d>
+          <a:sp3d>
+            <a:bevelT w="0" h="0"/>
+            <a:contourClr>
+              <a:schemeClr val="accent1">
+                <a:shade val="80000"/>
+              </a:schemeClr>
+            </a:contourClr>
+          </a:sp3d>
+        </p:spPr>
+        <p:style>
+          <a:lnRef idx="1">
+            <a:schemeClr val="accent1"/>
+          </a:lnRef>
+          <a:fillRef idx="3">
+            <a:schemeClr val="accent1"/>
+          </a:fillRef>
+          <a:effectRef idx="2">
+            <a:schemeClr val="accent1"/>
+          </a:effectRef>
+          <a:fontRef idx="minor">
+            <a:schemeClr val="lt1"/>
+          </a:fontRef>
+        </p:style>
+        <p:txBody>
+          <a:bodyPr rtlCol="0" anchor="ctr"/>
+          <a:lstStyle/>
+          <a:p>
+            <a:pPr algn="ctr"/>
+            <a:endParaRPr lang="fr-FR"/>
+          </a:p>
+        </p:txBody>
+      </p:sp>
+      <p:sp>
+        <p:nvSpPr>
+          <p:cNvPr id="31" name="Rectangle à coins arrondis 30"/>
+          <p:cNvSpPr/>
+          <p:nvPr/>
+        </p:nvSpPr>
+        <p:spPr>
+          <a:xfrm>
+            <a:off x="1576190" y="2912114"/>
+            <a:ext cx="1173664" cy="1100810"/>
+          </a:xfrm>
+          <a:prstGeom prst="roundRect">
+            <a:avLst/>
+          </a:prstGeom>
+          <a:solidFill>
+            <a:srgbClr val="008000"/>
+          </a:solidFill>
+          <a:ln>
+            <a:noFill/>
+          </a:ln>
+          <a:effectLst/>
+          <a:scene3d>
+            <a:camera prst="orthographicFront" fov="0">
+              <a:rot lat="0" lon="0" rev="0"/>
+            </a:camera>
+            <a:lightRig rig="brightRoom" dir="tl">
+              <a:rot lat="0" lon="0" rev="8700000"/>
+            </a:lightRig>
+          </a:scene3d>
+          <a:sp3d>
+            <a:bevelT w="0" h="0"/>
+            <a:contourClr>
+              <a:schemeClr val="accent1">
+                <a:shade val="80000"/>
+              </a:schemeClr>
+            </a:contourClr>
+          </a:sp3d>
+        </p:spPr>
+        <p:style>
+          <a:lnRef idx="1">
+            <a:schemeClr val="accent1"/>
+          </a:lnRef>
+          <a:fillRef idx="3">
+            <a:schemeClr val="accent1"/>
+          </a:fillRef>
+          <a:effectRef idx="2">
+            <a:schemeClr val="accent1"/>
+          </a:effectRef>
+          <a:fontRef idx="minor">
+            <a:schemeClr val="lt1"/>
+          </a:fontRef>
+        </p:style>
+        <p:txBody>
+          <a:bodyPr rtlCol="0" anchor="ctr"/>
+          <a:lstStyle/>
+          <a:p>
+            <a:pPr algn="ctr"/>
+            <a:endParaRPr lang="fr-FR"/>
+          </a:p>
+        </p:txBody>
+      </p:sp>
+      <p:grpSp>
+        <p:nvGrpSpPr>
+          <p:cNvPr id="15" name="Grouper 14"/>
+          <p:cNvGrpSpPr/>
+          <p:nvPr/>
+        </p:nvGrpSpPr>
+        <p:grpSpPr>
+          <a:xfrm>
+            <a:off x="3728288" y="306066"/>
+            <a:ext cx="3944282" cy="4945826"/>
+            <a:chOff x="3728288" y="306066"/>
+            <a:chExt cx="3944282" cy="4945826"/>
+          </a:xfrm>
+        </p:grpSpPr>
+        <p:sp>
+          <p:nvSpPr>
+            <p:cNvPr id="53" name="Carré corné 52"/>
+            <p:cNvSpPr/>
+            <p:nvPr/>
+          </p:nvSpPr>
+          <p:spPr>
+            <a:xfrm>
+              <a:off x="3728288" y="306066"/>
+              <a:ext cx="3944282" cy="4945826"/>
+            </a:xfrm>
+            <a:prstGeom prst="foldedCorner">
+              <a:avLst/>
+            </a:prstGeom>
+            <a:solidFill>
+              <a:schemeClr val="accent1">
+                <a:lumMod val="60000"/>
+                <a:lumOff val="40000"/>
+              </a:schemeClr>
+            </a:solidFill>
+            <a:ln>
+              <a:noFill/>
+            </a:ln>
+            <a:effectLst/>
+          </p:spPr>
+          <p:style>
+            <a:lnRef idx="1">
+              <a:schemeClr val="accent1"/>
+            </a:lnRef>
+            <a:fillRef idx="3">
+              <a:schemeClr val="accent1"/>
+            </a:fillRef>
+            <a:effectRef idx="2">
+              <a:schemeClr val="accent1"/>
+            </a:effectRef>
+            <a:fontRef idx="minor">
+              <a:schemeClr val="lt1"/>
+            </a:fontRef>
+          </p:style>
+          <p:txBody>
+            <a:bodyPr rtlCol="0" anchor="ctr"/>
+            <a:lstStyle/>
+            <a:p>
+              <a:pPr algn="ctr"/>
+              <a:endParaRPr lang="fr-FR" sz="11500" b="1" i="1" dirty="0">
+                <a:solidFill>
+                  <a:schemeClr val="bg1">
+                    <a:lumMod val="50000"/>
+                  </a:schemeClr>
+                </a:solidFill>
+              </a:endParaRPr>
+            </a:p>
+          </p:txBody>
+        </p:sp>
+        <p:sp>
+          <p:nvSpPr>
+            <p:cNvPr id="9" name="ZoneTexte 8"/>
+            <p:cNvSpPr txBox="1"/>
+            <p:nvPr/>
+          </p:nvSpPr>
+          <p:spPr>
+            <a:xfrm>
+              <a:off x="3815081" y="369550"/>
+              <a:ext cx="3373119" cy="1862048"/>
+            </a:xfrm>
+            <a:prstGeom prst="rect">
+              <a:avLst/>
+            </a:prstGeom>
+            <a:noFill/>
+          </p:spPr>
+          <p:txBody>
+            <a:bodyPr wrap="square" rtlCol="0">
+              <a:spAutoFit/>
+            </a:bodyPr>
+            <a:lstStyle/>
+            <a:p>
+              <a:r>
+                <a:rPr lang="fr-FR" sz="11500" i="1" dirty="0" smtClean="0">
+                  <a:solidFill>
+                    <a:schemeClr val="bg1">
+                      <a:lumMod val="50000"/>
+                    </a:schemeClr>
+                  </a:solidFill>
+                  <a:latin typeface="Courier"/>
+                  <a:cs typeface="Courier"/>
+                </a:rPr>
+                <a:t>XML</a:t>
+              </a:r>
+              <a:endParaRPr lang="fr-FR" sz="11500" i="1" dirty="0">
+                <a:solidFill>
+                  <a:schemeClr val="bg1">
+                    <a:lumMod val="50000"/>
+                  </a:schemeClr>
+                </a:solidFill>
+                <a:latin typeface="Courier"/>
+                <a:cs typeface="Courier"/>
+              </a:endParaRPr>
+            </a:p>
+          </p:txBody>
+        </p:sp>
+        <p:sp>
+          <p:nvSpPr>
+            <p:cNvPr id="11" name="ZoneTexte 10"/>
+            <p:cNvSpPr txBox="1"/>
+            <p:nvPr/>
+          </p:nvSpPr>
+          <p:spPr>
+            <a:xfrm>
+              <a:off x="4335781" y="2476500"/>
+              <a:ext cx="2522219" cy="1200329"/>
+            </a:xfrm>
+            <a:prstGeom prst="rect">
+              <a:avLst/>
+            </a:prstGeom>
+            <a:noFill/>
+          </p:spPr>
+          <p:txBody>
+            <a:bodyPr wrap="square" rtlCol="0">
+              <a:spAutoFit/>
+            </a:bodyPr>
+            <a:lstStyle/>
+            <a:p>
+              <a:r>
+                <a:rPr lang="fr-FR" sz="7200" b="1" dirty="0" smtClean="0">
+                  <a:solidFill>
+                    <a:schemeClr val="bg1">
+                      <a:lumMod val="50000"/>
+                    </a:schemeClr>
+                  </a:solidFill>
+                  <a:sym typeface="Wingdings"/>
+                </a:rPr>
+                <a:t>&lt;</a:t>
+              </a:r>
+              <a:r>
+                <a:rPr lang="fr-FR" sz="7200" b="1" dirty="0" err="1" smtClean="0">
+                  <a:solidFill>
+                    <a:schemeClr val="bg1">
+                      <a:lumMod val="50000"/>
+                    </a:schemeClr>
+                  </a:solidFill>
+                  <a:sym typeface="Wingdings"/>
+                </a:rPr>
+                <a:t>---</a:t>
+              </a:r>
+              <a:r>
+                <a:rPr lang="fr-FR" sz="7200" b="1" dirty="0" smtClean="0">
+                  <a:solidFill>
+                    <a:schemeClr val="bg1">
+                      <a:lumMod val="50000"/>
+                    </a:schemeClr>
+                  </a:solidFill>
+                </a:rPr>
+                <a:t>/&gt;</a:t>
+              </a:r>
+              <a:endParaRPr lang="fr-FR" sz="7200" b="1" dirty="0">
+                <a:solidFill>
+                  <a:schemeClr val="bg1">
+                    <a:lumMod val="50000"/>
+                  </a:schemeClr>
+                </a:solidFill>
+              </a:endParaRPr>
+            </a:p>
+          </p:txBody>
+        </p:sp>
+        <p:sp>
+          <p:nvSpPr>
+            <p:cNvPr id="12" name="ZoneTexte 11"/>
+            <p:cNvSpPr txBox="1"/>
+            <p:nvPr/>
+          </p:nvSpPr>
+          <p:spPr>
+            <a:xfrm>
+              <a:off x="3916681" y="1784171"/>
+              <a:ext cx="2941319" cy="1200329"/>
+            </a:xfrm>
+            <a:prstGeom prst="rect">
+              <a:avLst/>
+            </a:prstGeom>
+            <a:noFill/>
+          </p:spPr>
+          <p:txBody>
+            <a:bodyPr wrap="square" rtlCol="0">
+              <a:spAutoFit/>
+            </a:bodyPr>
+            <a:lstStyle/>
+            <a:p>
+              <a:r>
+                <a:rPr lang="fr-FR" sz="7200" b="1" dirty="0" smtClean="0">
+                  <a:solidFill>
+                    <a:schemeClr val="bg1">
+                      <a:lumMod val="50000"/>
+                    </a:schemeClr>
+                  </a:solidFill>
+                  <a:sym typeface="Wingdings"/>
+                </a:rPr>
+                <a:t>&lt;</a:t>
+              </a:r>
+              <a:r>
+                <a:rPr lang="fr-FR" sz="7200" b="1" dirty="0" err="1" smtClean="0">
+                  <a:solidFill>
+                    <a:schemeClr val="bg1">
+                      <a:lumMod val="50000"/>
+                    </a:schemeClr>
+                  </a:solidFill>
+                  <a:sym typeface="Wingdings"/>
+                </a:rPr>
+                <a:t>----</a:t>
+              </a:r>
+              <a:r>
+                <a:rPr lang="fr-FR" sz="7200" b="1" dirty="0" smtClean="0">
+                  <a:solidFill>
+                    <a:schemeClr val="bg1">
+                      <a:lumMod val="50000"/>
+                    </a:schemeClr>
+                  </a:solidFill>
+                </a:rPr>
+                <a:t>&gt;</a:t>
+              </a:r>
+              <a:endParaRPr lang="fr-FR" sz="7200" b="1" dirty="0">
+                <a:solidFill>
+                  <a:schemeClr val="bg1">
+                    <a:lumMod val="50000"/>
+                  </a:schemeClr>
+                </a:solidFill>
+              </a:endParaRPr>
+            </a:p>
+          </p:txBody>
+        </p:sp>
+        <p:sp>
+          <p:nvSpPr>
+            <p:cNvPr id="13" name="ZoneTexte 12"/>
+            <p:cNvSpPr txBox="1"/>
+            <p:nvPr/>
+          </p:nvSpPr>
+          <p:spPr>
+            <a:xfrm>
+              <a:off x="3916681" y="3663771"/>
+              <a:ext cx="2941319" cy="1200329"/>
+            </a:xfrm>
+            <a:prstGeom prst="rect">
+              <a:avLst/>
+            </a:prstGeom>
+            <a:noFill/>
+          </p:spPr>
+          <p:txBody>
+            <a:bodyPr wrap="square" rtlCol="0">
+              <a:spAutoFit/>
+            </a:bodyPr>
+            <a:lstStyle/>
+            <a:p>
+              <a:r>
+                <a:rPr lang="fr-FR" sz="7200" b="1" dirty="0" smtClean="0">
+                  <a:solidFill>
+                    <a:schemeClr val="bg1">
+                      <a:lumMod val="50000"/>
+                    </a:schemeClr>
+                  </a:solidFill>
+                </a:rPr>
+                <a:t>&lt;/</a:t>
+              </a:r>
+              <a:r>
+                <a:rPr lang="fr-FR" sz="7200" b="1" dirty="0" err="1" smtClean="0">
+                  <a:solidFill>
+                    <a:schemeClr val="bg1">
+                      <a:lumMod val="50000"/>
+                    </a:schemeClr>
+                  </a:solidFill>
+                </a:rPr>
+                <a:t>----</a:t>
+              </a:r>
+              <a:r>
+                <a:rPr lang="fr-FR" sz="7200" b="1" dirty="0" smtClean="0">
+                  <a:solidFill>
+                    <a:schemeClr val="bg1">
+                      <a:lumMod val="50000"/>
+                    </a:schemeClr>
+                  </a:solidFill>
+                </a:rPr>
+                <a:t>&gt;</a:t>
+              </a:r>
+              <a:endParaRPr lang="fr-FR" sz="7200" b="1" dirty="0">
+                <a:solidFill>
+                  <a:schemeClr val="bg1">
+                    <a:lumMod val="50000"/>
+                  </a:schemeClr>
+                </a:solidFill>
+              </a:endParaRPr>
+            </a:p>
+          </p:txBody>
+        </p:sp>
+      </p:grpSp>
+    </p:spTree>
+  </p:cSld>
+  <p:clrMapOvr>
+    <a:masterClrMapping/>
+  </p:clrMapOvr>
+  <p:timing>
+    <p:tnLst>
+      <p:par>
+        <p:cTn id="1" dur="indefinite" restart="never" nodeType="tmRoot"/>
+      </p:par>
+    </p:tnLst>
+  </p:timing>
+</p:sld>
+</file>
+
+<file path=ppt/slides/slide66.xml><?xml version="1.0" encoding="utf-8"?>
+<p:sld xmlns:a="http://schemas.openxmlformats.org/drawingml/2006/main" xmlns:r="http://schemas.openxmlformats.org/officeDocument/2006/relationships" xmlns:mc="http://schemas.openxmlformats.org/markup-compatibility/2006" xmlns:mv="urn:schemas-microsoft-com:mac:vml" xmlns:p="http://schemas.openxmlformats.org/presentationml/2006/main" mc:Ignorable="mv" mc:PreserveAttributes="mv:*">
+  <p:cSld>
+    <p:spTree>
+      <p:nvGrpSpPr>
+        <p:cNvPr id="1" name=""/>
+        <p:cNvGrpSpPr/>
+        <p:nvPr/>
+      </p:nvGrpSpPr>
+      <p:grpSpPr>
+        <a:xfrm>
+          <a:off x="0" y="0"/>
+          <a:ext cx="0" cy="0"/>
+          <a:chOff x="0" y="0"/>
+          <a:chExt cx="0" cy="0"/>
+        </a:xfrm>
+      </p:grpSpPr>
+      <p:sp>
+        <p:nvSpPr>
+          <p:cNvPr id="2" name="Espace réservé de la date 1"/>
+          <p:cNvSpPr>
+            <a:spLocks noGrp="1"/>
+          </p:cNvSpPr>
+          <p:nvPr>
+            <p:ph type="dt" sz="half" idx="10"/>
+          </p:nvPr>
+        </p:nvSpPr>
+        <p:spPr/>
+        <p:txBody>
+          <a:bodyPr/>
+          <a:lstStyle/>
+          <a:p>
+            <a:r>
+              <a:rPr lang="fr-FR" smtClean="0"/>
+              <a:t>Interop Naples May 2011 17th </a:t>
+            </a:r>
+            <a:endParaRPr lang="fr-FR"/>
+          </a:p>
+        </p:txBody>
+      </p:sp>
+      <p:sp>
+        <p:nvSpPr>
+          <p:cNvPr id="3" name="Espace réservé du pied de page 2"/>
+          <p:cNvSpPr>
+            <a:spLocks noGrp="1"/>
+          </p:cNvSpPr>
+          <p:nvPr>
+            <p:ph type="ftr" sz="quarter" idx="11"/>
+          </p:nvPr>
+        </p:nvSpPr>
+        <p:spPr/>
+        <p:txBody>
+          <a:bodyPr/>
+          <a:lstStyle/>
+          <a:p>
+            <a:r>
+              <a:rPr lang="fr-FR" smtClean="0"/>
+              <a:t>Observatoire de Strasbourg http://saada.u-strasbg.fr</a:t>
+            </a:r>
+            <a:endParaRPr lang="fr-FR"/>
+          </a:p>
+        </p:txBody>
+      </p:sp>
+      <p:sp>
+        <p:nvSpPr>
+          <p:cNvPr id="4" name="Espace réservé du numéro de diapositive 3"/>
+          <p:cNvSpPr>
+            <a:spLocks noGrp="1"/>
+          </p:cNvSpPr>
+          <p:nvPr>
+            <p:ph type="sldNum" sz="quarter" idx="12"/>
+          </p:nvPr>
+        </p:nvSpPr>
+        <p:spPr/>
+        <p:txBody>
+          <a:bodyPr/>
+          <a:lstStyle/>
+          <a:p>
+            <a:fld id="{55AE67CE-F3E3-B04C-B70D-8C1F457029EA}" type="slidenum">
+              <a:rPr lang="fr-FR" smtClean="0"/>
+              <a:pPr/>
+              <a:t>66</a:t>
             </a:fld>
             <a:endParaRPr lang="fr-FR"/>
           </a:p>
@@ -41493,7 +42163,7 @@
 </p:sld>
 </file>
 
-<file path=ppt/slides/slide66.xml><?xml version="1.0" encoding="utf-8"?>
+<file path=ppt/slides/slide67.xml><?xml version="1.0" encoding="utf-8"?>
 <p:sld xmlns:a="http://schemas.openxmlformats.org/drawingml/2006/main" xmlns:r="http://schemas.openxmlformats.org/officeDocument/2006/relationships" xmlns:mc="http://schemas.openxmlformats.org/markup-compatibility/2006" xmlns:mv="urn:schemas-microsoft-com:mac:vml" xmlns:p="http://schemas.openxmlformats.org/presentationml/2006/main" mc:Ignorable="mv" mc:PreserveAttributes="mv:*">
   <p:cSld>
     <p:spTree>
@@ -41574,7 +42244,7 @@
             <a:fld id="{55AE67CE-F3E3-B04C-B70D-8C1F457029EA}" type="slidenum">
               <a:rPr lang="fr-FR" smtClean="0"/>
               <a:pPr/>
-              <a:t>66</a:t>
+              <a:t>67</a:t>
             </a:fld>
             <a:endParaRPr lang="fr-FR"/>
           </a:p>
@@ -42162,7 +42832,7 @@
 </p:sld>
 </file>
 
-<file path=ppt/slides/slide67.xml><?xml version="1.0" encoding="utf-8"?>
+<file path=ppt/slides/slide68.xml><?xml version="1.0" encoding="utf-8"?>
 <p:sld xmlns:a="http://schemas.openxmlformats.org/drawingml/2006/main" xmlns:r="http://schemas.openxmlformats.org/officeDocument/2006/relationships" xmlns:mc="http://schemas.openxmlformats.org/markup-compatibility/2006" xmlns:mv="urn:schemas-microsoft-com:mac:vml" xmlns:p="http://schemas.openxmlformats.org/presentationml/2006/main" mc:Ignorable="mv" mc:PreserveAttributes="mv:*">
   <p:cSld>
     <p:spTree>
@@ -42243,7 +42913,7 @@
             <a:fld id="{55AE67CE-F3E3-B04C-B70D-8C1F457029EA}" type="slidenum">
               <a:rPr lang="fr-FR" smtClean="0"/>
               <a:pPr/>
-              <a:t>67</a:t>
+              <a:t>68</a:t>
             </a:fld>
             <a:endParaRPr lang="fr-FR"/>
           </a:p>
@@ -42338,387 +43008,6 @@
                 </a:schemeClr>
               </a:contourClr>
             </a:sp3d>
-          </p:spPr>
-          <p:style>
-            <a:lnRef idx="1">
-              <a:schemeClr val="accent1"/>
-            </a:lnRef>
-            <a:fillRef idx="3">
-              <a:schemeClr val="accent1"/>
-            </a:fillRef>
-            <a:effectRef idx="2">
-              <a:schemeClr val="accent1"/>
-            </a:effectRef>
-            <a:fontRef idx="minor">
-              <a:schemeClr val="lt1"/>
-            </a:fontRef>
-          </p:style>
-          <p:txBody>
-            <a:bodyPr rtlCol="0" anchor="ctr"/>
-            <a:lstStyle/>
-            <a:p>
-              <a:pPr algn="ctr"/>
-              <a:endParaRPr lang="en-US"/>
-            </a:p>
-          </p:txBody>
-        </p:sp>
-      </p:grpSp>
-    </p:spTree>
-  </p:cSld>
-  <p:clrMapOvr>
-    <a:masterClrMapping/>
-  </p:clrMapOvr>
-</p:sld>
-</file>
-
-<file path=ppt/slides/slide68.xml><?xml version="1.0" encoding="utf-8"?>
-<p:sld xmlns:a="http://schemas.openxmlformats.org/drawingml/2006/main" xmlns:r="http://schemas.openxmlformats.org/officeDocument/2006/relationships" xmlns:mc="http://schemas.openxmlformats.org/markup-compatibility/2006" xmlns:mv="urn:schemas-microsoft-com:mac:vml" xmlns:p="http://schemas.openxmlformats.org/presentationml/2006/main" mc:Ignorable="mv" mc:PreserveAttributes="mv:*">
-  <p:cSld>
-    <p:spTree>
-      <p:nvGrpSpPr>
-        <p:cNvPr id="1" name=""/>
-        <p:cNvGrpSpPr/>
-        <p:nvPr/>
-      </p:nvGrpSpPr>
-      <p:grpSpPr>
-        <a:xfrm>
-          <a:off x="0" y="0"/>
-          <a:ext cx="0" cy="0"/>
-          <a:chOff x="0" y="0"/>
-          <a:chExt cx="0" cy="0"/>
-        </a:xfrm>
-      </p:grpSpPr>
-      <p:sp>
-        <p:nvSpPr>
-          <p:cNvPr id="4" name="Espace réservé de la date 3"/>
-          <p:cNvSpPr>
-            <a:spLocks noGrp="1"/>
-          </p:cNvSpPr>
-          <p:nvPr>
-            <p:ph type="dt" sz="half" idx="10"/>
-          </p:nvPr>
-        </p:nvSpPr>
-        <p:spPr/>
-        <p:txBody>
-          <a:bodyPr/>
-          <a:lstStyle/>
-          <a:p>
-            <a:r>
-              <a:rPr lang="fr-FR" smtClean="0"/>
-              <a:t>Interop Naples May 2011 17th </a:t>
-            </a:r>
-            <a:endParaRPr lang="fr-FR" dirty="0" smtClean="0"/>
-          </a:p>
-        </p:txBody>
-      </p:sp>
-      <p:sp>
-        <p:nvSpPr>
-          <p:cNvPr id="6" name="Espace réservé du pied de page 5"/>
-          <p:cNvSpPr>
-            <a:spLocks noGrp="1"/>
-          </p:cNvSpPr>
-          <p:nvPr>
-            <p:ph type="ftr" sz="quarter" idx="11"/>
-          </p:nvPr>
-        </p:nvSpPr>
-        <p:spPr/>
-        <p:txBody>
-          <a:bodyPr/>
-          <a:lstStyle/>
-          <a:p>
-            <a:r>
-              <a:rPr lang="fr-FR" smtClean="0"/>
-              <a:t>Observatoire de Strasbourg http://saada.u-strasbg.fr</a:t>
-            </a:r>
-            <a:endParaRPr lang="fr-FR" dirty="0"/>
-          </a:p>
-        </p:txBody>
-      </p:sp>
-      <p:sp>
-        <p:nvSpPr>
-          <p:cNvPr id="5" name="Espace réservé du numéro de diapositive 4"/>
-          <p:cNvSpPr>
-            <a:spLocks noGrp="1"/>
-          </p:cNvSpPr>
-          <p:nvPr>
-            <p:ph type="sldNum" sz="quarter" idx="12"/>
-          </p:nvPr>
-        </p:nvSpPr>
-        <p:spPr/>
-        <p:txBody>
-          <a:bodyPr/>
-          <a:lstStyle/>
-          <a:p>
-            <a:fld id="{55AE67CE-F3E3-B04C-B70D-8C1F457029EA}" type="slidenum">
-              <a:rPr lang="fr-FR" smtClean="0"/>
-              <a:pPr/>
-              <a:t>68</a:t>
-            </a:fld>
-            <a:endParaRPr lang="fr-FR"/>
-          </a:p>
-        </p:txBody>
-      </p:sp>
-      <p:grpSp>
-        <p:nvGrpSpPr>
-          <p:cNvPr id="2" name="Grouper 24"/>
-          <p:cNvGrpSpPr/>
-          <p:nvPr/>
-        </p:nvGrpSpPr>
-        <p:grpSpPr>
-          <a:xfrm>
-            <a:off x="1257300" y="342900"/>
-            <a:ext cx="7810500" cy="5803900"/>
-            <a:chOff x="1257300" y="342900"/>
-            <a:chExt cx="7810500" cy="5803900"/>
-          </a:xfrm>
-        </p:grpSpPr>
-        <p:sp>
-          <p:nvSpPr>
-            <p:cNvPr id="14" name="Rectangle à coins arrondis 13"/>
-            <p:cNvSpPr/>
-            <p:nvPr/>
-          </p:nvSpPr>
-          <p:spPr>
-            <a:xfrm>
-              <a:off x="1612900" y="698500"/>
-              <a:ext cx="7454900" cy="5448300"/>
-            </a:xfrm>
-            <a:prstGeom prst="roundRect">
-              <a:avLst>
-                <a:gd name="adj" fmla="val 7809"/>
-              </a:avLst>
-            </a:prstGeom>
-            <a:solidFill>
-              <a:schemeClr val="tx1"/>
-            </a:solidFill>
-          </p:spPr>
-          <p:style>
-            <a:lnRef idx="1">
-              <a:schemeClr val="accent1"/>
-            </a:lnRef>
-            <a:fillRef idx="3">
-              <a:schemeClr val="accent1"/>
-            </a:fillRef>
-            <a:effectRef idx="2">
-              <a:schemeClr val="accent1"/>
-            </a:effectRef>
-            <a:fontRef idx="minor">
-              <a:schemeClr val="lt1"/>
-            </a:fontRef>
-          </p:style>
-          <p:txBody>
-            <a:bodyPr rtlCol="0" anchor="ctr"/>
-            <a:lstStyle/>
-            <a:p>
-              <a:pPr algn="ctr"/>
-              <a:endParaRPr lang="en-US"/>
-            </a:p>
-          </p:txBody>
-        </p:sp>
-        <p:sp>
-          <p:nvSpPr>
-            <p:cNvPr id="15" name="Rectangle à coins arrondis 14"/>
-            <p:cNvSpPr/>
-            <p:nvPr/>
-          </p:nvSpPr>
-          <p:spPr>
-            <a:xfrm>
-              <a:off x="1257300" y="342900"/>
-              <a:ext cx="7454900" cy="5448300"/>
-            </a:xfrm>
-            <a:prstGeom prst="roundRect">
-              <a:avLst>
-                <a:gd name="adj" fmla="val 7809"/>
-              </a:avLst>
-            </a:prstGeom>
-            <a:solidFill>
-              <a:schemeClr val="bg1">
-                <a:lumMod val="95000"/>
-              </a:schemeClr>
-            </a:solidFill>
-            <a:ln w="381000">
-              <a:solidFill>
-                <a:schemeClr val="bg1">
-                  <a:lumMod val="65000"/>
-                </a:schemeClr>
-              </a:solidFill>
-            </a:ln>
-          </p:spPr>
-          <p:style>
-            <a:lnRef idx="1">
-              <a:schemeClr val="accent1"/>
-            </a:lnRef>
-            <a:fillRef idx="3">
-              <a:schemeClr val="accent1"/>
-            </a:fillRef>
-            <a:effectRef idx="2">
-              <a:schemeClr val="accent1"/>
-            </a:effectRef>
-            <a:fontRef idx="minor">
-              <a:schemeClr val="lt1"/>
-            </a:fontRef>
-          </p:style>
-          <p:txBody>
-            <a:bodyPr rtlCol="0" anchor="ctr"/>
-            <a:lstStyle/>
-            <a:p>
-              <a:pPr algn="ctr"/>
-              <a:endParaRPr lang="en-US"/>
-            </a:p>
-          </p:txBody>
-        </p:sp>
-        <p:cxnSp>
-          <p:nvCxnSpPr>
-            <p:cNvPr id="19" name="Connecteur droit 18"/>
-            <p:cNvCxnSpPr/>
-            <p:nvPr/>
-          </p:nvCxnSpPr>
-          <p:spPr>
-            <a:xfrm>
-              <a:off x="1422400" y="1676400"/>
-              <a:ext cx="7162800" cy="63500"/>
-            </a:xfrm>
-            <a:prstGeom prst="line">
-              <a:avLst/>
-            </a:prstGeom>
-            <a:ln w="381000">
-              <a:solidFill>
-                <a:schemeClr val="bg1">
-                  <a:lumMod val="65000"/>
-                </a:schemeClr>
-              </a:solidFill>
-            </a:ln>
-            <a:effectLst/>
-          </p:spPr>
-          <p:style>
-            <a:lnRef idx="2">
-              <a:schemeClr val="accent1"/>
-            </a:lnRef>
-            <a:fillRef idx="0">
-              <a:schemeClr val="accent1"/>
-            </a:fillRef>
-            <a:effectRef idx="1">
-              <a:schemeClr val="accent1"/>
-            </a:effectRef>
-            <a:fontRef idx="minor">
-              <a:schemeClr val="tx1"/>
-            </a:fontRef>
-          </p:style>
-        </p:cxnSp>
-        <p:cxnSp>
-          <p:nvCxnSpPr>
-            <p:cNvPr id="20" name="Connecteur droit 19"/>
-            <p:cNvCxnSpPr/>
-            <p:nvPr/>
-          </p:nvCxnSpPr>
-          <p:spPr>
-            <a:xfrm rot="16200000" flipH="1">
-              <a:off x="1156891" y="3810396"/>
-              <a:ext cx="3961606" cy="1"/>
-            </a:xfrm>
-            <a:prstGeom prst="line">
-              <a:avLst/>
-            </a:prstGeom>
-            <a:ln w="381000">
-              <a:solidFill>
-                <a:schemeClr val="bg1">
-                  <a:lumMod val="65000"/>
-                </a:schemeClr>
-              </a:solidFill>
-            </a:ln>
-            <a:effectLst/>
-          </p:spPr>
-          <p:style>
-            <a:lnRef idx="2">
-              <a:schemeClr val="accent1"/>
-            </a:lnRef>
-            <a:fillRef idx="0">
-              <a:schemeClr val="accent1"/>
-            </a:fillRef>
-            <a:effectRef idx="1">
-              <a:schemeClr val="accent1"/>
-            </a:effectRef>
-            <a:fontRef idx="minor">
-              <a:schemeClr val="tx1"/>
-            </a:fontRef>
-          </p:style>
-        </p:cxnSp>
-        <p:sp>
-          <p:nvSpPr>
-            <p:cNvPr id="23" name="Rectangle 22"/>
-            <p:cNvSpPr/>
-            <p:nvPr/>
-          </p:nvSpPr>
-          <p:spPr>
-            <a:xfrm>
-              <a:off x="3340100" y="1829592"/>
-              <a:ext cx="5245100" cy="3809207"/>
-            </a:xfrm>
-            <a:prstGeom prst="rect">
-              <a:avLst/>
-            </a:prstGeom>
-            <a:solidFill>
-              <a:schemeClr val="accent2">
-                <a:lumMod val="20000"/>
-                <a:lumOff val="80000"/>
-              </a:schemeClr>
-            </a:solidFill>
-            <a:ln w="0">
-              <a:solidFill>
-                <a:schemeClr val="accent2">
-                  <a:lumMod val="20000"/>
-                  <a:lumOff val="80000"/>
-                </a:schemeClr>
-              </a:solidFill>
-            </a:ln>
-            <a:effectLst/>
-          </p:spPr>
-          <p:style>
-            <a:lnRef idx="1">
-              <a:schemeClr val="accent1"/>
-            </a:lnRef>
-            <a:fillRef idx="3">
-              <a:schemeClr val="accent1"/>
-            </a:fillRef>
-            <a:effectRef idx="2">
-              <a:schemeClr val="accent1"/>
-            </a:effectRef>
-            <a:fontRef idx="minor">
-              <a:schemeClr val="lt1"/>
-            </a:fontRef>
-          </p:style>
-          <p:txBody>
-            <a:bodyPr rtlCol="0" anchor="ctr"/>
-            <a:lstStyle/>
-            <a:p>
-              <a:pPr algn="ctr"/>
-              <a:endParaRPr lang="en-US"/>
-            </a:p>
-          </p:txBody>
-        </p:sp>
-        <p:sp>
-          <p:nvSpPr>
-            <p:cNvPr id="24" name="Ellipse 23"/>
-            <p:cNvSpPr/>
-            <p:nvPr/>
-          </p:nvSpPr>
-          <p:spPr>
-            <a:xfrm>
-              <a:off x="1651000" y="609600"/>
-              <a:ext cx="952500" cy="800100"/>
-            </a:xfrm>
-            <a:prstGeom prst="ellipse">
-              <a:avLst/>
-            </a:prstGeom>
-            <a:solidFill>
-              <a:schemeClr val="accent2"/>
-            </a:solidFill>
-            <a:ln>
-              <a:solidFill>
-                <a:schemeClr val="accent2"/>
-              </a:solidFill>
-            </a:ln>
-            <a:effectLst/>
           </p:spPr>
           <p:style>
             <a:lnRef idx="1">
@@ -42841,7 +43130,7 @@
       </p:sp>
       <p:grpSp>
         <p:nvGrpSpPr>
-          <p:cNvPr id="18" name="Grouper 17"/>
+          <p:cNvPr id="2" name="Grouper 24"/>
           <p:cNvGrpSpPr/>
           <p:nvPr/>
         </p:nvGrpSpPr>
@@ -42993,9 +43282,9 @@
             <p:nvPr/>
           </p:nvCxnSpPr>
           <p:spPr>
-            <a:xfrm rot="5400000">
-              <a:off x="2166540" y="2800747"/>
-              <a:ext cx="1942306" cy="1"/>
+            <a:xfrm rot="16200000" flipH="1">
+              <a:off x="1156891" y="3810396"/>
+              <a:ext cx="3961606" cy="1"/>
             </a:xfrm>
             <a:prstGeom prst="line">
               <a:avLst/>
@@ -43032,8 +43321,8 @@
           </p:nvSpPr>
           <p:spPr>
             <a:xfrm>
-              <a:off x="1384300" y="3975100"/>
-              <a:ext cx="7200900" cy="1663699"/>
+              <a:off x="3340100" y="1829592"/>
+              <a:ext cx="5245100" cy="3809207"/>
             </a:xfrm>
             <a:prstGeom prst="rect">
               <a:avLst/>
@@ -43124,44 +43413,6 @@
             </a:p>
           </p:txBody>
         </p:sp>
-        <p:cxnSp>
-          <p:nvCxnSpPr>
-            <p:cNvPr id="13" name="Connecteur droit 12"/>
-            <p:cNvCxnSpPr/>
-            <p:nvPr/>
-          </p:nvCxnSpPr>
-          <p:spPr>
-            <a:xfrm>
-              <a:off x="1422400" y="3771900"/>
-              <a:ext cx="7162800" cy="63500"/>
-            </a:xfrm>
-            <a:prstGeom prst="line">
-              <a:avLst/>
-            </a:prstGeom>
-            <a:ln w="381000">
-              <a:solidFill>
-                <a:schemeClr val="bg1">
-                  <a:lumMod val="65000"/>
-                </a:schemeClr>
-              </a:solidFill>
-            </a:ln>
-            <a:effectLst/>
-          </p:spPr>
-          <p:style>
-            <a:lnRef idx="2">
-              <a:schemeClr val="accent1"/>
-            </a:lnRef>
-            <a:fillRef idx="0">
-              <a:schemeClr val="accent1"/>
-            </a:fillRef>
-            <a:effectRef idx="1">
-              <a:schemeClr val="accent1"/>
-            </a:effectRef>
-            <a:fontRef idx="minor">
-              <a:schemeClr val="tx1"/>
-            </a:fontRef>
-          </p:style>
-        </p:cxnSp>
       </p:grpSp>
     </p:spTree>
   </p:cSld>
@@ -43365,6 +43616,425 @@
           </a:p>
         </p:txBody>
       </p:sp>
+    </p:spTree>
+  </p:cSld>
+  <p:clrMapOvr>
+    <a:masterClrMapping/>
+  </p:clrMapOvr>
+</p:sld>
+</file>
+
+<file path=ppt/slides/slide70.xml><?xml version="1.0" encoding="utf-8"?>
+<p:sld xmlns:a="http://schemas.openxmlformats.org/drawingml/2006/main" xmlns:r="http://schemas.openxmlformats.org/officeDocument/2006/relationships" xmlns:mc="http://schemas.openxmlformats.org/markup-compatibility/2006" xmlns:mv="urn:schemas-microsoft-com:mac:vml" xmlns:p="http://schemas.openxmlformats.org/presentationml/2006/main" mc:Ignorable="mv" mc:PreserveAttributes="mv:*">
+  <p:cSld>
+    <p:spTree>
+      <p:nvGrpSpPr>
+        <p:cNvPr id="1" name=""/>
+        <p:cNvGrpSpPr/>
+        <p:nvPr/>
+      </p:nvGrpSpPr>
+      <p:grpSpPr>
+        <a:xfrm>
+          <a:off x="0" y="0"/>
+          <a:ext cx="0" cy="0"/>
+          <a:chOff x="0" y="0"/>
+          <a:chExt cx="0" cy="0"/>
+        </a:xfrm>
+      </p:grpSpPr>
+      <p:sp>
+        <p:nvSpPr>
+          <p:cNvPr id="4" name="Espace réservé de la date 3"/>
+          <p:cNvSpPr>
+            <a:spLocks noGrp="1"/>
+          </p:cNvSpPr>
+          <p:nvPr>
+            <p:ph type="dt" sz="half" idx="10"/>
+          </p:nvPr>
+        </p:nvSpPr>
+        <p:spPr/>
+        <p:txBody>
+          <a:bodyPr/>
+          <a:lstStyle/>
+          <a:p>
+            <a:r>
+              <a:rPr lang="fr-FR" smtClean="0"/>
+              <a:t>Interop Naples May 2011 17th </a:t>
+            </a:r>
+            <a:endParaRPr lang="fr-FR" dirty="0" smtClean="0"/>
+          </a:p>
+        </p:txBody>
+      </p:sp>
+      <p:sp>
+        <p:nvSpPr>
+          <p:cNvPr id="6" name="Espace réservé du pied de page 5"/>
+          <p:cNvSpPr>
+            <a:spLocks noGrp="1"/>
+          </p:cNvSpPr>
+          <p:nvPr>
+            <p:ph type="ftr" sz="quarter" idx="11"/>
+          </p:nvPr>
+        </p:nvSpPr>
+        <p:spPr/>
+        <p:txBody>
+          <a:bodyPr/>
+          <a:lstStyle/>
+          <a:p>
+            <a:r>
+              <a:rPr lang="fr-FR" smtClean="0"/>
+              <a:t>Observatoire de Strasbourg http://saada.u-strasbg.fr</a:t>
+            </a:r>
+            <a:endParaRPr lang="fr-FR" dirty="0"/>
+          </a:p>
+        </p:txBody>
+      </p:sp>
+      <p:sp>
+        <p:nvSpPr>
+          <p:cNvPr id="5" name="Espace réservé du numéro de diapositive 4"/>
+          <p:cNvSpPr>
+            <a:spLocks noGrp="1"/>
+          </p:cNvSpPr>
+          <p:nvPr>
+            <p:ph type="sldNum" sz="quarter" idx="12"/>
+          </p:nvPr>
+        </p:nvSpPr>
+        <p:spPr/>
+        <p:txBody>
+          <a:bodyPr/>
+          <a:lstStyle/>
+          <a:p>
+            <a:fld id="{55AE67CE-F3E3-B04C-B70D-8C1F457029EA}" type="slidenum">
+              <a:rPr lang="fr-FR" smtClean="0"/>
+              <a:pPr/>
+              <a:t>70</a:t>
+            </a:fld>
+            <a:endParaRPr lang="fr-FR"/>
+          </a:p>
+        </p:txBody>
+      </p:sp>
+      <p:grpSp>
+        <p:nvGrpSpPr>
+          <p:cNvPr id="18" name="Grouper 17"/>
+          <p:cNvGrpSpPr/>
+          <p:nvPr/>
+        </p:nvGrpSpPr>
+        <p:grpSpPr>
+          <a:xfrm>
+            <a:off x="1257300" y="342900"/>
+            <a:ext cx="7810500" cy="5803900"/>
+            <a:chOff x="1257300" y="342900"/>
+            <a:chExt cx="7810500" cy="5803900"/>
+          </a:xfrm>
+        </p:grpSpPr>
+        <p:sp>
+          <p:nvSpPr>
+            <p:cNvPr id="14" name="Rectangle à coins arrondis 13"/>
+            <p:cNvSpPr/>
+            <p:nvPr/>
+          </p:nvSpPr>
+          <p:spPr>
+            <a:xfrm>
+              <a:off x="1612900" y="698500"/>
+              <a:ext cx="7454900" cy="5448300"/>
+            </a:xfrm>
+            <a:prstGeom prst="roundRect">
+              <a:avLst>
+                <a:gd name="adj" fmla="val 7809"/>
+              </a:avLst>
+            </a:prstGeom>
+            <a:solidFill>
+              <a:schemeClr val="tx1"/>
+            </a:solidFill>
+          </p:spPr>
+          <p:style>
+            <a:lnRef idx="1">
+              <a:schemeClr val="accent1"/>
+            </a:lnRef>
+            <a:fillRef idx="3">
+              <a:schemeClr val="accent1"/>
+            </a:fillRef>
+            <a:effectRef idx="2">
+              <a:schemeClr val="accent1"/>
+            </a:effectRef>
+            <a:fontRef idx="minor">
+              <a:schemeClr val="lt1"/>
+            </a:fontRef>
+          </p:style>
+          <p:txBody>
+            <a:bodyPr rtlCol="0" anchor="ctr"/>
+            <a:lstStyle/>
+            <a:p>
+              <a:pPr algn="ctr"/>
+              <a:endParaRPr lang="en-US"/>
+            </a:p>
+          </p:txBody>
+        </p:sp>
+        <p:sp>
+          <p:nvSpPr>
+            <p:cNvPr id="15" name="Rectangle à coins arrondis 14"/>
+            <p:cNvSpPr/>
+            <p:nvPr/>
+          </p:nvSpPr>
+          <p:spPr>
+            <a:xfrm>
+              <a:off x="1257300" y="342900"/>
+              <a:ext cx="7454900" cy="5448300"/>
+            </a:xfrm>
+            <a:prstGeom prst="roundRect">
+              <a:avLst>
+                <a:gd name="adj" fmla="val 7809"/>
+              </a:avLst>
+            </a:prstGeom>
+            <a:solidFill>
+              <a:schemeClr val="bg1">
+                <a:lumMod val="95000"/>
+              </a:schemeClr>
+            </a:solidFill>
+            <a:ln w="381000">
+              <a:solidFill>
+                <a:schemeClr val="bg1">
+                  <a:lumMod val="65000"/>
+                </a:schemeClr>
+              </a:solidFill>
+            </a:ln>
+          </p:spPr>
+          <p:style>
+            <a:lnRef idx="1">
+              <a:schemeClr val="accent1"/>
+            </a:lnRef>
+            <a:fillRef idx="3">
+              <a:schemeClr val="accent1"/>
+            </a:fillRef>
+            <a:effectRef idx="2">
+              <a:schemeClr val="accent1"/>
+            </a:effectRef>
+            <a:fontRef idx="minor">
+              <a:schemeClr val="lt1"/>
+            </a:fontRef>
+          </p:style>
+          <p:txBody>
+            <a:bodyPr rtlCol="0" anchor="ctr"/>
+            <a:lstStyle/>
+            <a:p>
+              <a:pPr algn="ctr"/>
+              <a:endParaRPr lang="en-US"/>
+            </a:p>
+          </p:txBody>
+        </p:sp>
+        <p:cxnSp>
+          <p:nvCxnSpPr>
+            <p:cNvPr id="19" name="Connecteur droit 18"/>
+            <p:cNvCxnSpPr/>
+            <p:nvPr/>
+          </p:nvCxnSpPr>
+          <p:spPr>
+            <a:xfrm>
+              <a:off x="1422400" y="1676400"/>
+              <a:ext cx="7162800" cy="63500"/>
+            </a:xfrm>
+            <a:prstGeom prst="line">
+              <a:avLst/>
+            </a:prstGeom>
+            <a:ln w="381000">
+              <a:solidFill>
+                <a:schemeClr val="bg1">
+                  <a:lumMod val="65000"/>
+                </a:schemeClr>
+              </a:solidFill>
+            </a:ln>
+            <a:effectLst/>
+          </p:spPr>
+          <p:style>
+            <a:lnRef idx="2">
+              <a:schemeClr val="accent1"/>
+            </a:lnRef>
+            <a:fillRef idx="0">
+              <a:schemeClr val="accent1"/>
+            </a:fillRef>
+            <a:effectRef idx="1">
+              <a:schemeClr val="accent1"/>
+            </a:effectRef>
+            <a:fontRef idx="minor">
+              <a:schemeClr val="tx1"/>
+            </a:fontRef>
+          </p:style>
+        </p:cxnSp>
+        <p:cxnSp>
+          <p:nvCxnSpPr>
+            <p:cNvPr id="20" name="Connecteur droit 19"/>
+            <p:cNvCxnSpPr/>
+            <p:nvPr/>
+          </p:nvCxnSpPr>
+          <p:spPr>
+            <a:xfrm rot="5400000">
+              <a:off x="2166540" y="2800747"/>
+              <a:ext cx="1942306" cy="1"/>
+            </a:xfrm>
+            <a:prstGeom prst="line">
+              <a:avLst/>
+            </a:prstGeom>
+            <a:ln w="381000">
+              <a:solidFill>
+                <a:schemeClr val="bg1">
+                  <a:lumMod val="65000"/>
+                </a:schemeClr>
+              </a:solidFill>
+            </a:ln>
+            <a:effectLst/>
+          </p:spPr>
+          <p:style>
+            <a:lnRef idx="2">
+              <a:schemeClr val="accent1"/>
+            </a:lnRef>
+            <a:fillRef idx="0">
+              <a:schemeClr val="accent1"/>
+            </a:fillRef>
+            <a:effectRef idx="1">
+              <a:schemeClr val="accent1"/>
+            </a:effectRef>
+            <a:fontRef idx="minor">
+              <a:schemeClr val="tx1"/>
+            </a:fontRef>
+          </p:style>
+        </p:cxnSp>
+        <p:sp>
+          <p:nvSpPr>
+            <p:cNvPr id="23" name="Rectangle 22"/>
+            <p:cNvSpPr/>
+            <p:nvPr/>
+          </p:nvSpPr>
+          <p:spPr>
+            <a:xfrm>
+              <a:off x="1384300" y="3975100"/>
+              <a:ext cx="7200900" cy="1663699"/>
+            </a:xfrm>
+            <a:prstGeom prst="rect">
+              <a:avLst/>
+            </a:prstGeom>
+            <a:solidFill>
+              <a:schemeClr val="accent2">
+                <a:lumMod val="20000"/>
+                <a:lumOff val="80000"/>
+              </a:schemeClr>
+            </a:solidFill>
+            <a:ln w="0">
+              <a:solidFill>
+                <a:schemeClr val="accent2">
+                  <a:lumMod val="20000"/>
+                  <a:lumOff val="80000"/>
+                </a:schemeClr>
+              </a:solidFill>
+            </a:ln>
+            <a:effectLst/>
+          </p:spPr>
+          <p:style>
+            <a:lnRef idx="1">
+              <a:schemeClr val="accent1"/>
+            </a:lnRef>
+            <a:fillRef idx="3">
+              <a:schemeClr val="accent1"/>
+            </a:fillRef>
+            <a:effectRef idx="2">
+              <a:schemeClr val="accent1"/>
+            </a:effectRef>
+            <a:fontRef idx="minor">
+              <a:schemeClr val="lt1"/>
+            </a:fontRef>
+          </p:style>
+          <p:txBody>
+            <a:bodyPr rtlCol="0" anchor="ctr"/>
+            <a:lstStyle/>
+            <a:p>
+              <a:pPr algn="ctr"/>
+              <a:endParaRPr lang="en-US"/>
+            </a:p>
+          </p:txBody>
+        </p:sp>
+        <p:sp>
+          <p:nvSpPr>
+            <p:cNvPr id="24" name="Ellipse 23"/>
+            <p:cNvSpPr/>
+            <p:nvPr/>
+          </p:nvSpPr>
+          <p:spPr>
+            <a:xfrm>
+              <a:off x="1651000" y="609600"/>
+              <a:ext cx="952500" cy="800100"/>
+            </a:xfrm>
+            <a:prstGeom prst="ellipse">
+              <a:avLst/>
+            </a:prstGeom>
+            <a:solidFill>
+              <a:schemeClr val="accent2"/>
+            </a:solidFill>
+            <a:ln>
+              <a:solidFill>
+                <a:schemeClr val="accent2"/>
+              </a:solidFill>
+            </a:ln>
+            <a:effectLst/>
+          </p:spPr>
+          <p:style>
+            <a:lnRef idx="1">
+              <a:schemeClr val="accent1"/>
+            </a:lnRef>
+            <a:fillRef idx="3">
+              <a:schemeClr val="accent1"/>
+            </a:fillRef>
+            <a:effectRef idx="2">
+              <a:schemeClr val="accent1"/>
+            </a:effectRef>
+            <a:fontRef idx="minor">
+              <a:schemeClr val="lt1"/>
+            </a:fontRef>
+          </p:style>
+          <p:txBody>
+            <a:bodyPr rtlCol="0" anchor="ctr"/>
+            <a:lstStyle/>
+            <a:p>
+              <a:pPr algn="ctr"/>
+              <a:endParaRPr lang="en-US"/>
+            </a:p>
+          </p:txBody>
+        </p:sp>
+        <p:cxnSp>
+          <p:nvCxnSpPr>
+            <p:cNvPr id="13" name="Connecteur droit 12"/>
+            <p:cNvCxnSpPr/>
+            <p:nvPr/>
+          </p:nvCxnSpPr>
+          <p:spPr>
+            <a:xfrm>
+              <a:off x="1422400" y="3771900"/>
+              <a:ext cx="7162800" cy="63500"/>
+            </a:xfrm>
+            <a:prstGeom prst="line">
+              <a:avLst/>
+            </a:prstGeom>
+            <a:ln w="381000">
+              <a:solidFill>
+                <a:schemeClr val="bg1">
+                  <a:lumMod val="65000"/>
+                </a:schemeClr>
+              </a:solidFill>
+            </a:ln>
+            <a:effectLst/>
+          </p:spPr>
+          <p:style>
+            <a:lnRef idx="2">
+              <a:schemeClr val="accent1"/>
+            </a:lnRef>
+            <a:fillRef idx="0">
+              <a:schemeClr val="accent1"/>
+            </a:fillRef>
+            <a:effectRef idx="1">
+              <a:schemeClr val="accent1"/>
+            </a:effectRef>
+            <a:fontRef idx="minor">
+              <a:schemeClr val="tx1"/>
+            </a:fontRef>
+          </p:style>
+        </p:cxnSp>
+      </p:grpSp>
     </p:spTree>
   </p:cSld>
   <p:clrMapOvr>

--- a/trunk/saadasvn/graphicalstuff/IconSource.pptx
+++ b/trunk/saadasvn/graphicalstuff/IconSource.pptx
@@ -8669,10 +8669,13 @@
           <a:lstStyle/>
           <a:p>
             <a:r>
-              <a:rPr lang="fr-FR" smtClean="0"/>
-              <a:t>Interop Naples May 2011 17th </a:t>
+              <a:rPr lang="fr-FR" dirty="0" err="1" smtClean="0"/>
+              <a:t>Interop</a:t>
             </a:r>
-            <a:endParaRPr lang="fr-FR" dirty="0" smtClean="0"/>
+            <a:r>
+              <a:rPr lang="fr-FR" dirty="0" smtClean="0"/>
+              <a:t> Naples May 2011 17th </a:t>
+            </a:r>
           </a:p>
         </p:txBody>
       </p:sp>
@@ -8723,477 +8726,782 @@
           </a:p>
         </p:txBody>
       </p:sp>
-      <p:sp>
-        <p:nvSpPr>
-          <p:cNvPr id="54" name="Forme libre 53"/>
-          <p:cNvSpPr/>
+      <p:grpSp>
+        <p:nvGrpSpPr>
+          <p:cNvPr id="78" name="Grouper 77"/>
+          <p:cNvGrpSpPr/>
           <p:nvPr/>
-        </p:nvSpPr>
-        <p:spPr>
+        </p:nvGrpSpPr>
+        <p:grpSpPr>
           <a:xfrm>
-            <a:off x="4572000" y="2260600"/>
-            <a:ext cx="1143000" cy="1181100"/>
+            <a:off x="5154613" y="606425"/>
+            <a:ext cx="3887787" cy="5086350"/>
+            <a:chOff x="5154613" y="606425"/>
+            <a:chExt cx="3887787" cy="5086350"/>
           </a:xfrm>
-          <a:custGeom>
-            <a:avLst/>
-            <a:gdLst>
-              <a:gd name="connsiteX0" fmla="*/ 0 w 1270000"/>
-              <a:gd name="connsiteY0" fmla="*/ 0 h 1333500"/>
-              <a:gd name="connsiteX1" fmla="*/ 914400 w 1270000"/>
-              <a:gd name="connsiteY1" fmla="*/ 342900 h 1333500"/>
-              <a:gd name="connsiteX2" fmla="*/ 1270000 w 1270000"/>
-              <a:gd name="connsiteY2" fmla="*/ 1333500 h 1333500"/>
-            </a:gdLst>
-            <a:ahLst/>
-            <a:cxnLst>
-              <a:cxn ang="0">
-                <a:pos x="connsiteX0" y="connsiteY0"/>
-              </a:cxn>
-              <a:cxn ang="0">
-                <a:pos x="connsiteX1" y="connsiteY1"/>
-              </a:cxn>
-              <a:cxn ang="0">
-                <a:pos x="connsiteX2" y="connsiteY2"/>
-              </a:cxn>
-            </a:cxnLst>
-            <a:rect l="l" t="t" r="r" b="b"/>
-            <a:pathLst>
-              <a:path w="1270000" h="1333500">
-                <a:moveTo>
-                  <a:pt x="0" y="0"/>
-                </a:moveTo>
-                <a:cubicBezTo>
-                  <a:pt x="351366" y="60325"/>
-                  <a:pt x="702733" y="120650"/>
-                  <a:pt x="914400" y="342900"/>
-                </a:cubicBezTo>
-                <a:cubicBezTo>
-                  <a:pt x="1126067" y="565150"/>
-                  <a:pt x="1198033" y="949325"/>
-                  <a:pt x="1270000" y="1333500"/>
-                </a:cubicBezTo>
-              </a:path>
-            </a:pathLst>
-          </a:custGeom>
-          <a:ln w="254000">
-            <a:solidFill>
-              <a:schemeClr val="accent1">
-                <a:lumMod val="60000"/>
-                <a:lumOff val="40000"/>
-              </a:schemeClr>
-            </a:solidFill>
-          </a:ln>
-          <a:effectLst/>
-        </p:spPr>
-        <p:style>
-          <a:lnRef idx="2">
-            <a:schemeClr val="accent1"/>
-          </a:lnRef>
-          <a:fillRef idx="0">
-            <a:schemeClr val="accent1"/>
-          </a:fillRef>
-          <a:effectRef idx="1">
-            <a:schemeClr val="accent1"/>
-          </a:effectRef>
-          <a:fontRef idx="minor">
-            <a:schemeClr val="tx1"/>
-          </a:fontRef>
-        </p:style>
-        <p:txBody>
-          <a:bodyPr rtlCol="0" anchor="ctr"/>
-          <a:lstStyle/>
-          <a:p>
-            <a:pPr algn="ctr"/>
-            <a:endParaRPr lang="en-US"/>
-          </a:p>
-        </p:txBody>
-      </p:sp>
-      <p:sp>
-        <p:nvSpPr>
-          <p:cNvPr id="56" name="Forme libre 55"/>
-          <p:cNvSpPr/>
+        </p:grpSpPr>
+        <p:sp>
+          <p:nvSpPr>
+            <p:cNvPr id="74" name="Rectangle 73"/>
+            <p:cNvSpPr/>
+            <p:nvPr/>
+          </p:nvSpPr>
+          <p:spPr>
+            <a:xfrm>
+              <a:off x="5154613" y="606425"/>
+              <a:ext cx="3887787" cy="5086350"/>
+            </a:xfrm>
+            <a:prstGeom prst="rect">
+              <a:avLst/>
+            </a:prstGeom>
+            <a:noFill/>
+            <a:ln>
+              <a:noFill/>
+            </a:ln>
+          </p:spPr>
+          <p:style>
+            <a:lnRef idx="1">
+              <a:schemeClr val="accent1"/>
+            </a:lnRef>
+            <a:fillRef idx="3">
+              <a:schemeClr val="accent1"/>
+            </a:fillRef>
+            <a:effectRef idx="2">
+              <a:schemeClr val="accent1"/>
+            </a:effectRef>
+            <a:fontRef idx="minor">
+              <a:schemeClr val="lt1"/>
+            </a:fontRef>
+          </p:style>
+          <p:txBody>
+            <a:bodyPr rtlCol="0" anchor="ctr"/>
+            <a:lstStyle/>
+            <a:p>
+              <a:pPr algn="ctr"/>
+              <a:endParaRPr lang="en-US"/>
+            </a:p>
+          </p:txBody>
+        </p:sp>
+        <p:grpSp>
+          <p:nvGrpSpPr>
+            <p:cNvPr id="63" name="Grouper 62"/>
+            <p:cNvGrpSpPr/>
+            <p:nvPr/>
+          </p:nvGrpSpPr>
+          <p:grpSpPr>
+            <a:xfrm>
+              <a:off x="5219701" y="793750"/>
+              <a:ext cx="3798887" cy="4679950"/>
+              <a:chOff x="3644901" y="666750"/>
+              <a:chExt cx="3798887" cy="4679950"/>
+            </a:xfrm>
+          </p:grpSpPr>
+          <p:grpSp>
+            <p:nvGrpSpPr>
+              <p:cNvPr id="62" name="Grouper 61"/>
+              <p:cNvGrpSpPr/>
+              <p:nvPr/>
+            </p:nvGrpSpPr>
+            <p:grpSpPr>
+              <a:xfrm>
+                <a:off x="4572000" y="666750"/>
+                <a:ext cx="2871788" cy="2774950"/>
+                <a:chOff x="4572000" y="666750"/>
+                <a:chExt cx="2871788" cy="2774950"/>
+              </a:xfrm>
+            </p:grpSpPr>
+            <p:sp>
+              <p:nvSpPr>
+                <p:cNvPr id="54" name="Forme libre 53"/>
+                <p:cNvSpPr/>
+                <p:nvPr/>
+              </p:nvSpPr>
+              <p:spPr>
+                <a:xfrm>
+                  <a:off x="4572000" y="2260600"/>
+                  <a:ext cx="1143000" cy="1181100"/>
+                </a:xfrm>
+                <a:custGeom>
+                  <a:avLst/>
+                  <a:gdLst>
+                    <a:gd name="connsiteX0" fmla="*/ 0 w 1270000"/>
+                    <a:gd name="connsiteY0" fmla="*/ 0 h 1333500"/>
+                    <a:gd name="connsiteX1" fmla="*/ 914400 w 1270000"/>
+                    <a:gd name="connsiteY1" fmla="*/ 342900 h 1333500"/>
+                    <a:gd name="connsiteX2" fmla="*/ 1270000 w 1270000"/>
+                    <a:gd name="connsiteY2" fmla="*/ 1333500 h 1333500"/>
+                  </a:gdLst>
+                  <a:ahLst/>
+                  <a:cxnLst>
+                    <a:cxn ang="0">
+                      <a:pos x="connsiteX0" y="connsiteY0"/>
+                    </a:cxn>
+                    <a:cxn ang="0">
+                      <a:pos x="connsiteX1" y="connsiteY1"/>
+                    </a:cxn>
+                    <a:cxn ang="0">
+                      <a:pos x="connsiteX2" y="connsiteY2"/>
+                    </a:cxn>
+                  </a:cxnLst>
+                  <a:rect l="l" t="t" r="r" b="b"/>
+                  <a:pathLst>
+                    <a:path w="1270000" h="1333500">
+                      <a:moveTo>
+                        <a:pt x="0" y="0"/>
+                      </a:moveTo>
+                      <a:cubicBezTo>
+                        <a:pt x="351366" y="60325"/>
+                        <a:pt x="702733" y="120650"/>
+                        <a:pt x="914400" y="342900"/>
+                      </a:cubicBezTo>
+                      <a:cubicBezTo>
+                        <a:pt x="1126067" y="565150"/>
+                        <a:pt x="1198033" y="949325"/>
+                        <a:pt x="1270000" y="1333500"/>
+                      </a:cubicBezTo>
+                    </a:path>
+                  </a:pathLst>
+                </a:custGeom>
+                <a:ln w="254000">
+                  <a:solidFill>
+                    <a:schemeClr val="accent1">
+                      <a:lumMod val="60000"/>
+                      <a:lumOff val="40000"/>
+                    </a:schemeClr>
+                  </a:solidFill>
+                </a:ln>
+                <a:effectLst/>
+              </p:spPr>
+              <p:style>
+                <a:lnRef idx="2">
+                  <a:schemeClr val="accent1"/>
+                </a:lnRef>
+                <a:fillRef idx="0">
+                  <a:schemeClr val="accent1"/>
+                </a:fillRef>
+                <a:effectRef idx="1">
+                  <a:schemeClr val="accent1"/>
+                </a:effectRef>
+                <a:fontRef idx="minor">
+                  <a:schemeClr val="tx1"/>
+                </a:fontRef>
+              </p:style>
+              <p:txBody>
+                <a:bodyPr rtlCol="0" anchor="ctr"/>
+                <a:lstStyle/>
+                <a:p>
+                  <a:pPr algn="ctr"/>
+                  <a:endParaRPr lang="en-US"/>
+                </a:p>
+              </p:txBody>
+            </p:sp>
+            <p:sp>
+              <p:nvSpPr>
+                <p:cNvPr id="56" name="Forme libre 55"/>
+                <p:cNvSpPr/>
+                <p:nvPr/>
+              </p:nvSpPr>
+              <p:spPr>
+                <a:xfrm>
+                  <a:off x="4597400" y="1701800"/>
+                  <a:ext cx="1689100" cy="1739900"/>
+                </a:xfrm>
+                <a:custGeom>
+                  <a:avLst/>
+                  <a:gdLst>
+                    <a:gd name="connsiteX0" fmla="*/ 0 w 1270000"/>
+                    <a:gd name="connsiteY0" fmla="*/ 0 h 1333500"/>
+                    <a:gd name="connsiteX1" fmla="*/ 914400 w 1270000"/>
+                    <a:gd name="connsiteY1" fmla="*/ 342900 h 1333500"/>
+                    <a:gd name="connsiteX2" fmla="*/ 1270000 w 1270000"/>
+                    <a:gd name="connsiteY2" fmla="*/ 1333500 h 1333500"/>
+                  </a:gdLst>
+                  <a:ahLst/>
+                  <a:cxnLst>
+                    <a:cxn ang="0">
+                      <a:pos x="connsiteX0" y="connsiteY0"/>
+                    </a:cxn>
+                    <a:cxn ang="0">
+                      <a:pos x="connsiteX1" y="connsiteY1"/>
+                    </a:cxn>
+                    <a:cxn ang="0">
+                      <a:pos x="connsiteX2" y="connsiteY2"/>
+                    </a:cxn>
+                  </a:cxnLst>
+                  <a:rect l="l" t="t" r="r" b="b"/>
+                  <a:pathLst>
+                    <a:path w="1270000" h="1333500">
+                      <a:moveTo>
+                        <a:pt x="0" y="0"/>
+                      </a:moveTo>
+                      <a:cubicBezTo>
+                        <a:pt x="351366" y="60325"/>
+                        <a:pt x="702733" y="120650"/>
+                        <a:pt x="914400" y="342900"/>
+                      </a:cubicBezTo>
+                      <a:cubicBezTo>
+                        <a:pt x="1126067" y="565150"/>
+                        <a:pt x="1198033" y="949325"/>
+                        <a:pt x="1270000" y="1333500"/>
+                      </a:cubicBezTo>
+                    </a:path>
+                  </a:pathLst>
+                </a:custGeom>
+                <a:ln w="254000">
+                  <a:solidFill>
+                    <a:schemeClr val="accent1">
+                      <a:lumMod val="60000"/>
+                      <a:lumOff val="40000"/>
+                    </a:schemeClr>
+                  </a:solidFill>
+                </a:ln>
+                <a:effectLst/>
+              </p:spPr>
+              <p:style>
+                <a:lnRef idx="2">
+                  <a:schemeClr val="accent1"/>
+                </a:lnRef>
+                <a:fillRef idx="0">
+                  <a:schemeClr val="accent1"/>
+                </a:fillRef>
+                <a:effectRef idx="1">
+                  <a:schemeClr val="accent1"/>
+                </a:effectRef>
+                <a:fontRef idx="minor">
+                  <a:schemeClr val="tx1"/>
+                </a:fontRef>
+              </p:style>
+              <p:txBody>
+                <a:bodyPr rtlCol="0" anchor="ctr"/>
+                <a:lstStyle/>
+                <a:p>
+                  <a:pPr algn="ctr"/>
+                  <a:endParaRPr lang="en-US"/>
+                </a:p>
+              </p:txBody>
+            </p:sp>
+            <p:sp>
+              <p:nvSpPr>
+                <p:cNvPr id="57" name="Forme libre 56"/>
+                <p:cNvSpPr/>
+                <p:nvPr/>
+              </p:nvSpPr>
+              <p:spPr>
+                <a:xfrm>
+                  <a:off x="4597400" y="1212850"/>
+                  <a:ext cx="2185988" cy="2216150"/>
+                </a:xfrm>
+                <a:custGeom>
+                  <a:avLst/>
+                  <a:gdLst>
+                    <a:gd name="connsiteX0" fmla="*/ 0 w 1270000"/>
+                    <a:gd name="connsiteY0" fmla="*/ 0 h 1333500"/>
+                    <a:gd name="connsiteX1" fmla="*/ 914400 w 1270000"/>
+                    <a:gd name="connsiteY1" fmla="*/ 342900 h 1333500"/>
+                    <a:gd name="connsiteX2" fmla="*/ 1270000 w 1270000"/>
+                    <a:gd name="connsiteY2" fmla="*/ 1333500 h 1333500"/>
+                  </a:gdLst>
+                  <a:ahLst/>
+                  <a:cxnLst>
+                    <a:cxn ang="0">
+                      <a:pos x="connsiteX0" y="connsiteY0"/>
+                    </a:cxn>
+                    <a:cxn ang="0">
+                      <a:pos x="connsiteX1" y="connsiteY1"/>
+                    </a:cxn>
+                    <a:cxn ang="0">
+                      <a:pos x="connsiteX2" y="connsiteY2"/>
+                    </a:cxn>
+                  </a:cxnLst>
+                  <a:rect l="l" t="t" r="r" b="b"/>
+                  <a:pathLst>
+                    <a:path w="1270000" h="1333500">
+                      <a:moveTo>
+                        <a:pt x="0" y="0"/>
+                      </a:moveTo>
+                      <a:cubicBezTo>
+                        <a:pt x="351366" y="60325"/>
+                        <a:pt x="702733" y="120650"/>
+                        <a:pt x="914400" y="342900"/>
+                      </a:cubicBezTo>
+                      <a:cubicBezTo>
+                        <a:pt x="1126067" y="565150"/>
+                        <a:pt x="1198033" y="949325"/>
+                        <a:pt x="1270000" y="1333500"/>
+                      </a:cubicBezTo>
+                    </a:path>
+                  </a:pathLst>
+                </a:custGeom>
+                <a:ln w="254000">
+                  <a:solidFill>
+                    <a:schemeClr val="accent1">
+                      <a:lumMod val="60000"/>
+                      <a:lumOff val="40000"/>
+                    </a:schemeClr>
+                  </a:solidFill>
+                </a:ln>
+                <a:effectLst/>
+              </p:spPr>
+              <p:style>
+                <a:lnRef idx="2">
+                  <a:schemeClr val="accent1"/>
+                </a:lnRef>
+                <a:fillRef idx="0">
+                  <a:schemeClr val="accent1"/>
+                </a:fillRef>
+                <a:effectRef idx="1">
+                  <a:schemeClr val="accent1"/>
+                </a:effectRef>
+                <a:fontRef idx="minor">
+                  <a:schemeClr val="tx1"/>
+                </a:fontRef>
+              </p:style>
+              <p:txBody>
+                <a:bodyPr rtlCol="0" anchor="ctr"/>
+                <a:lstStyle/>
+                <a:p>
+                  <a:pPr algn="ctr"/>
+                  <a:endParaRPr lang="en-US"/>
+                </a:p>
+              </p:txBody>
+            </p:sp>
+            <p:sp>
+              <p:nvSpPr>
+                <p:cNvPr id="58" name="Forme libre 57"/>
+                <p:cNvSpPr/>
+                <p:nvPr/>
+              </p:nvSpPr>
+              <p:spPr>
+                <a:xfrm>
+                  <a:off x="4572000" y="666750"/>
+                  <a:ext cx="2871788" cy="2762250"/>
+                </a:xfrm>
+                <a:custGeom>
+                  <a:avLst/>
+                  <a:gdLst>
+                    <a:gd name="connsiteX0" fmla="*/ 0 w 1270000"/>
+                    <a:gd name="connsiteY0" fmla="*/ 0 h 1333500"/>
+                    <a:gd name="connsiteX1" fmla="*/ 914400 w 1270000"/>
+                    <a:gd name="connsiteY1" fmla="*/ 342900 h 1333500"/>
+                    <a:gd name="connsiteX2" fmla="*/ 1270000 w 1270000"/>
+                    <a:gd name="connsiteY2" fmla="*/ 1333500 h 1333500"/>
+                  </a:gdLst>
+                  <a:ahLst/>
+                  <a:cxnLst>
+                    <a:cxn ang="0">
+                      <a:pos x="connsiteX0" y="connsiteY0"/>
+                    </a:cxn>
+                    <a:cxn ang="0">
+                      <a:pos x="connsiteX1" y="connsiteY1"/>
+                    </a:cxn>
+                    <a:cxn ang="0">
+                      <a:pos x="connsiteX2" y="connsiteY2"/>
+                    </a:cxn>
+                  </a:cxnLst>
+                  <a:rect l="l" t="t" r="r" b="b"/>
+                  <a:pathLst>
+                    <a:path w="1270000" h="1333500">
+                      <a:moveTo>
+                        <a:pt x="0" y="0"/>
+                      </a:moveTo>
+                      <a:cubicBezTo>
+                        <a:pt x="351366" y="60325"/>
+                        <a:pt x="702733" y="120650"/>
+                        <a:pt x="914400" y="342900"/>
+                      </a:cubicBezTo>
+                      <a:cubicBezTo>
+                        <a:pt x="1126067" y="565150"/>
+                        <a:pt x="1198033" y="949325"/>
+                        <a:pt x="1270000" y="1333500"/>
+                      </a:cubicBezTo>
+                    </a:path>
+                  </a:pathLst>
+                </a:custGeom>
+                <a:ln w="254000">
+                  <a:solidFill>
+                    <a:schemeClr val="accent1">
+                      <a:lumMod val="60000"/>
+                      <a:lumOff val="40000"/>
+                    </a:schemeClr>
+                  </a:solidFill>
+                </a:ln>
+                <a:effectLst/>
+              </p:spPr>
+              <p:style>
+                <a:lnRef idx="2">
+                  <a:schemeClr val="accent1"/>
+                </a:lnRef>
+                <a:fillRef idx="0">
+                  <a:schemeClr val="accent1"/>
+                </a:fillRef>
+                <a:effectRef idx="1">
+                  <a:schemeClr val="accent1"/>
+                </a:effectRef>
+                <a:fontRef idx="minor">
+                  <a:schemeClr val="tx1"/>
+                </a:fontRef>
+              </p:style>
+              <p:txBody>
+                <a:bodyPr rtlCol="0" anchor="ctr"/>
+                <a:lstStyle/>
+                <a:p>
+                  <a:pPr algn="ctr"/>
+                  <a:endParaRPr lang="en-US"/>
+                </a:p>
+              </p:txBody>
+            </p:sp>
+          </p:grpSp>
+          <p:grpSp>
+            <p:nvGrpSpPr>
+              <p:cNvPr id="61" name="Grouper 60"/>
+              <p:cNvGrpSpPr/>
+              <p:nvPr/>
+            </p:nvGrpSpPr>
+            <p:grpSpPr>
+              <a:xfrm>
+                <a:off x="3644901" y="1277299"/>
+                <a:ext cx="2129580" cy="4069401"/>
+                <a:chOff x="3644901" y="1277299"/>
+                <a:chExt cx="2129580" cy="4069401"/>
+              </a:xfrm>
+            </p:grpSpPr>
+            <p:sp>
+              <p:nvSpPr>
+                <p:cNvPr id="59" name="Corde 58"/>
+                <p:cNvSpPr/>
+                <p:nvPr/>
+              </p:nvSpPr>
+              <p:spPr>
+                <a:xfrm rot="19097989">
+                  <a:off x="4156916" y="1277299"/>
+                  <a:ext cx="1617565" cy="3738339"/>
+                </a:xfrm>
+                <a:prstGeom prst="chord">
+                  <a:avLst>
+                    <a:gd name="adj1" fmla="val 5517121"/>
+                    <a:gd name="adj2" fmla="val 16009132"/>
+                  </a:avLst>
+                </a:prstGeom>
+                <a:solidFill>
+                  <a:schemeClr val="tx1">
+                    <a:lumMod val="65000"/>
+                    <a:lumOff val="35000"/>
+                  </a:schemeClr>
+                </a:solidFill>
+                <a:ln>
+                  <a:noFill/>
+                </a:ln>
+                <a:effectLst/>
+                <a:scene3d>
+                  <a:camera prst="orthographicFront" fov="0">
+                    <a:rot lat="0" lon="0" rev="0"/>
+                  </a:camera>
+                  <a:lightRig rig="brightRoom" dir="tl">
+                    <a:rot lat="0" lon="0" rev="8700000"/>
+                  </a:lightRig>
+                </a:scene3d>
+                <a:sp3d>
+                  <a:bevelT w="0" h="0"/>
+                  <a:contourClr>
+                    <a:schemeClr val="accent1">
+                      <a:shade val="80000"/>
+                    </a:schemeClr>
+                  </a:contourClr>
+                </a:sp3d>
+              </p:spPr>
+              <p:style>
+                <a:lnRef idx="1">
+                  <a:schemeClr val="accent1"/>
+                </a:lnRef>
+                <a:fillRef idx="3">
+                  <a:schemeClr val="accent1"/>
+                </a:fillRef>
+                <a:effectRef idx="2">
+                  <a:schemeClr val="accent1"/>
+                </a:effectRef>
+                <a:fontRef idx="minor">
+                  <a:schemeClr val="lt1"/>
+                </a:fontRef>
+              </p:style>
+              <p:txBody>
+                <a:bodyPr rtlCol="0" anchor="ctr"/>
+                <a:lstStyle/>
+                <a:p>
+                  <a:pPr algn="ctr"/>
+                  <a:endParaRPr lang="en-US"/>
+                </a:p>
+              </p:txBody>
+            </p:sp>
+            <p:sp>
+              <p:nvSpPr>
+                <p:cNvPr id="60" name="Triangle isocèle 59"/>
+                <p:cNvSpPr/>
+                <p:nvPr/>
+              </p:nvSpPr>
+              <p:spPr>
+                <a:xfrm>
+                  <a:off x="3644901" y="3073400"/>
+                  <a:ext cx="1460500" cy="2273300"/>
+                </a:xfrm>
+                <a:prstGeom prst="triangle">
+                  <a:avLst/>
+                </a:prstGeom>
+                <a:solidFill>
+                  <a:schemeClr val="tx1">
+                    <a:lumMod val="65000"/>
+                    <a:lumOff val="35000"/>
+                  </a:schemeClr>
+                </a:solidFill>
+                <a:ln>
+                  <a:noFill/>
+                </a:ln>
+                <a:effectLst/>
+                <a:scene3d>
+                  <a:camera prst="orthographicFront" fov="0">
+                    <a:rot lat="0" lon="0" rev="0"/>
+                  </a:camera>
+                  <a:lightRig rig="brightRoom" dir="tl">
+                    <a:rot lat="0" lon="0" rev="8700000"/>
+                  </a:lightRig>
+                </a:scene3d>
+                <a:sp3d>
+                  <a:bevelT w="0" h="0"/>
+                  <a:contourClr>
+                    <a:schemeClr val="accent1">
+                      <a:shade val="80000"/>
+                    </a:schemeClr>
+                  </a:contourClr>
+                </a:sp3d>
+              </p:spPr>
+              <p:style>
+                <a:lnRef idx="1">
+                  <a:schemeClr val="accent1"/>
+                </a:lnRef>
+                <a:fillRef idx="3">
+                  <a:schemeClr val="accent1"/>
+                </a:fillRef>
+                <a:effectRef idx="2">
+                  <a:schemeClr val="accent1"/>
+                </a:effectRef>
+                <a:fontRef idx="minor">
+                  <a:schemeClr val="lt1"/>
+                </a:fontRef>
+              </p:style>
+              <p:txBody>
+                <a:bodyPr rtlCol="0" anchor="ctr"/>
+                <a:lstStyle/>
+                <a:p>
+                  <a:pPr algn="ctr"/>
+                  <a:endParaRPr lang="en-US"/>
+                </a:p>
+              </p:txBody>
+            </p:sp>
+          </p:grpSp>
+        </p:grpSp>
+      </p:grpSp>
+      <p:grpSp>
+        <p:nvGrpSpPr>
+          <p:cNvPr id="75" name="Grouper 74"/>
+          <p:cNvGrpSpPr/>
           <p:nvPr/>
-        </p:nvSpPr>
-        <p:spPr>
+        </p:nvGrpSpPr>
+        <p:grpSpPr>
           <a:xfrm>
-            <a:off x="4597400" y="1701800"/>
-            <a:ext cx="1689100" cy="1739900"/>
+            <a:off x="1104655" y="590550"/>
+            <a:ext cx="3887787" cy="5086350"/>
+            <a:chOff x="1104655" y="590550"/>
+            <a:chExt cx="3887787" cy="5086350"/>
           </a:xfrm>
-          <a:custGeom>
-            <a:avLst/>
-            <a:gdLst>
-              <a:gd name="connsiteX0" fmla="*/ 0 w 1270000"/>
-              <a:gd name="connsiteY0" fmla="*/ 0 h 1333500"/>
-              <a:gd name="connsiteX1" fmla="*/ 914400 w 1270000"/>
-              <a:gd name="connsiteY1" fmla="*/ 342900 h 1333500"/>
-              <a:gd name="connsiteX2" fmla="*/ 1270000 w 1270000"/>
-              <a:gd name="connsiteY2" fmla="*/ 1333500 h 1333500"/>
-            </a:gdLst>
-            <a:ahLst/>
-            <a:cxnLst>
-              <a:cxn ang="0">
-                <a:pos x="connsiteX0" y="connsiteY0"/>
-              </a:cxn>
-              <a:cxn ang="0">
-                <a:pos x="connsiteX1" y="connsiteY1"/>
-              </a:cxn>
-              <a:cxn ang="0">
-                <a:pos x="connsiteX2" y="connsiteY2"/>
-              </a:cxn>
-            </a:cxnLst>
-            <a:rect l="l" t="t" r="r" b="b"/>
-            <a:pathLst>
-              <a:path w="1270000" h="1333500">
-                <a:moveTo>
-                  <a:pt x="0" y="0"/>
-                </a:moveTo>
-                <a:cubicBezTo>
-                  <a:pt x="351366" y="60325"/>
-                  <a:pt x="702733" y="120650"/>
-                  <a:pt x="914400" y="342900"/>
-                </a:cubicBezTo>
-                <a:cubicBezTo>
-                  <a:pt x="1126067" y="565150"/>
-                  <a:pt x="1198033" y="949325"/>
-                  <a:pt x="1270000" y="1333500"/>
-                </a:cubicBezTo>
-              </a:path>
-            </a:pathLst>
-          </a:custGeom>
-          <a:ln w="254000">
-            <a:solidFill>
-              <a:schemeClr val="accent1">
-                <a:lumMod val="60000"/>
-                <a:lumOff val="40000"/>
-              </a:schemeClr>
-            </a:solidFill>
-          </a:ln>
-          <a:effectLst/>
-        </p:spPr>
-        <p:style>
-          <a:lnRef idx="2">
-            <a:schemeClr val="accent1"/>
-          </a:lnRef>
-          <a:fillRef idx="0">
-            <a:schemeClr val="accent1"/>
-          </a:fillRef>
-          <a:effectRef idx="1">
-            <a:schemeClr val="accent1"/>
-          </a:effectRef>
-          <a:fontRef idx="minor">
-            <a:schemeClr val="tx1"/>
-          </a:fontRef>
-        </p:style>
-        <p:txBody>
-          <a:bodyPr rtlCol="0" anchor="ctr"/>
-          <a:lstStyle/>
-          <a:p>
-            <a:pPr algn="ctr"/>
-            <a:endParaRPr lang="en-US"/>
-          </a:p>
-        </p:txBody>
-      </p:sp>
-      <p:sp>
-        <p:nvSpPr>
-          <p:cNvPr id="57" name="Forme libre 56"/>
-          <p:cNvSpPr/>
-          <p:nvPr/>
-        </p:nvSpPr>
-        <p:spPr>
-          <a:xfrm>
-            <a:off x="4597400" y="1212850"/>
-            <a:ext cx="2185988" cy="2216150"/>
-          </a:xfrm>
-          <a:custGeom>
-            <a:avLst/>
-            <a:gdLst>
-              <a:gd name="connsiteX0" fmla="*/ 0 w 1270000"/>
-              <a:gd name="connsiteY0" fmla="*/ 0 h 1333500"/>
-              <a:gd name="connsiteX1" fmla="*/ 914400 w 1270000"/>
-              <a:gd name="connsiteY1" fmla="*/ 342900 h 1333500"/>
-              <a:gd name="connsiteX2" fmla="*/ 1270000 w 1270000"/>
-              <a:gd name="connsiteY2" fmla="*/ 1333500 h 1333500"/>
-            </a:gdLst>
-            <a:ahLst/>
-            <a:cxnLst>
-              <a:cxn ang="0">
-                <a:pos x="connsiteX0" y="connsiteY0"/>
-              </a:cxn>
-              <a:cxn ang="0">
-                <a:pos x="connsiteX1" y="connsiteY1"/>
-              </a:cxn>
-              <a:cxn ang="0">
-                <a:pos x="connsiteX2" y="connsiteY2"/>
-              </a:cxn>
-            </a:cxnLst>
-            <a:rect l="l" t="t" r="r" b="b"/>
-            <a:pathLst>
-              <a:path w="1270000" h="1333500">
-                <a:moveTo>
-                  <a:pt x="0" y="0"/>
-                </a:moveTo>
-                <a:cubicBezTo>
-                  <a:pt x="351366" y="60325"/>
-                  <a:pt x="702733" y="120650"/>
-                  <a:pt x="914400" y="342900"/>
-                </a:cubicBezTo>
-                <a:cubicBezTo>
-                  <a:pt x="1126067" y="565150"/>
-                  <a:pt x="1198033" y="949325"/>
-                  <a:pt x="1270000" y="1333500"/>
-                </a:cubicBezTo>
-              </a:path>
-            </a:pathLst>
-          </a:custGeom>
-          <a:ln w="254000">
-            <a:solidFill>
-              <a:schemeClr val="accent1">
-                <a:lumMod val="60000"/>
-                <a:lumOff val="40000"/>
-              </a:schemeClr>
-            </a:solidFill>
-          </a:ln>
-          <a:effectLst/>
-        </p:spPr>
-        <p:style>
-          <a:lnRef idx="2">
-            <a:schemeClr val="accent1"/>
-          </a:lnRef>
-          <a:fillRef idx="0">
-            <a:schemeClr val="accent1"/>
-          </a:fillRef>
-          <a:effectRef idx="1">
-            <a:schemeClr val="accent1"/>
-          </a:effectRef>
-          <a:fontRef idx="minor">
-            <a:schemeClr val="tx1"/>
-          </a:fontRef>
-        </p:style>
-        <p:txBody>
-          <a:bodyPr rtlCol="0" anchor="ctr"/>
-          <a:lstStyle/>
-          <a:p>
-            <a:pPr algn="ctr"/>
-            <a:endParaRPr lang="en-US"/>
-          </a:p>
-        </p:txBody>
-      </p:sp>
-      <p:sp>
-        <p:nvSpPr>
-          <p:cNvPr id="58" name="Forme libre 57"/>
-          <p:cNvSpPr/>
-          <p:nvPr/>
-        </p:nvSpPr>
-        <p:spPr>
-          <a:xfrm>
-            <a:off x="4572000" y="666750"/>
-            <a:ext cx="2871788" cy="2762250"/>
-          </a:xfrm>
-          <a:custGeom>
-            <a:avLst/>
-            <a:gdLst>
-              <a:gd name="connsiteX0" fmla="*/ 0 w 1270000"/>
-              <a:gd name="connsiteY0" fmla="*/ 0 h 1333500"/>
-              <a:gd name="connsiteX1" fmla="*/ 914400 w 1270000"/>
-              <a:gd name="connsiteY1" fmla="*/ 342900 h 1333500"/>
-              <a:gd name="connsiteX2" fmla="*/ 1270000 w 1270000"/>
-              <a:gd name="connsiteY2" fmla="*/ 1333500 h 1333500"/>
-            </a:gdLst>
-            <a:ahLst/>
-            <a:cxnLst>
-              <a:cxn ang="0">
-                <a:pos x="connsiteX0" y="connsiteY0"/>
-              </a:cxn>
-              <a:cxn ang="0">
-                <a:pos x="connsiteX1" y="connsiteY1"/>
-              </a:cxn>
-              <a:cxn ang="0">
-                <a:pos x="connsiteX2" y="connsiteY2"/>
-              </a:cxn>
-            </a:cxnLst>
-            <a:rect l="l" t="t" r="r" b="b"/>
-            <a:pathLst>
-              <a:path w="1270000" h="1333500">
-                <a:moveTo>
-                  <a:pt x="0" y="0"/>
-                </a:moveTo>
-                <a:cubicBezTo>
-                  <a:pt x="351366" y="60325"/>
-                  <a:pt x="702733" y="120650"/>
-                  <a:pt x="914400" y="342900"/>
-                </a:cubicBezTo>
-                <a:cubicBezTo>
-                  <a:pt x="1126067" y="565150"/>
-                  <a:pt x="1198033" y="949325"/>
-                  <a:pt x="1270000" y="1333500"/>
-                </a:cubicBezTo>
-              </a:path>
-            </a:pathLst>
-          </a:custGeom>
-          <a:ln w="254000">
-            <a:solidFill>
-              <a:schemeClr val="accent1">
-                <a:lumMod val="60000"/>
-                <a:lumOff val="40000"/>
-              </a:schemeClr>
-            </a:solidFill>
-          </a:ln>
-          <a:effectLst/>
-        </p:spPr>
-        <p:style>
-          <a:lnRef idx="2">
-            <a:schemeClr val="accent1"/>
-          </a:lnRef>
-          <a:fillRef idx="0">
-            <a:schemeClr val="accent1"/>
-          </a:fillRef>
-          <a:effectRef idx="1">
-            <a:schemeClr val="accent1"/>
-          </a:effectRef>
-          <a:fontRef idx="minor">
-            <a:schemeClr val="tx1"/>
-          </a:fontRef>
-        </p:style>
-        <p:txBody>
-          <a:bodyPr rtlCol="0" anchor="ctr"/>
-          <a:lstStyle/>
-          <a:p>
-            <a:pPr algn="ctr"/>
-            <a:endParaRPr lang="en-US"/>
-          </a:p>
-        </p:txBody>
-      </p:sp>
-      <p:sp>
-        <p:nvSpPr>
-          <p:cNvPr id="59" name="Corde 58"/>
-          <p:cNvSpPr/>
-          <p:nvPr/>
-        </p:nvSpPr>
-        <p:spPr>
-          <a:xfrm rot="19097989">
-            <a:off x="4156916" y="1277299"/>
-            <a:ext cx="1617565" cy="3738339"/>
-          </a:xfrm>
-          <a:prstGeom prst="chord">
-            <a:avLst>
-              <a:gd name="adj1" fmla="val 5517121"/>
-              <a:gd name="adj2" fmla="val 16009132"/>
-            </a:avLst>
-          </a:prstGeom>
-          <a:solidFill>
-            <a:schemeClr val="tx1">
-              <a:lumMod val="65000"/>
-              <a:lumOff val="35000"/>
-            </a:schemeClr>
-          </a:solidFill>
-          <a:ln>
+        </p:grpSpPr>
+        <p:sp>
+          <p:nvSpPr>
+            <p:cNvPr id="73" name="Rectangle 72"/>
+            <p:cNvSpPr/>
+            <p:nvPr/>
+          </p:nvSpPr>
+          <p:spPr>
+            <a:xfrm>
+              <a:off x="1104655" y="590550"/>
+              <a:ext cx="3887787" cy="5086350"/>
+            </a:xfrm>
+            <a:prstGeom prst="rect">
+              <a:avLst/>
+            </a:prstGeom>
             <a:noFill/>
-          </a:ln>
-          <a:effectLst/>
-          <a:scene3d>
-            <a:camera prst="orthographicFront" fov="0">
-              <a:rot lat="0" lon="0" rev="0"/>
-            </a:camera>
-            <a:lightRig rig="brightRoom" dir="tl">
-              <a:rot lat="0" lon="0" rev="8700000"/>
-            </a:lightRig>
-          </a:scene3d>
-          <a:sp3d>
-            <a:bevelT w="0" h="0"/>
-            <a:contourClr>
-              <a:schemeClr val="accent1">
-                <a:shade val="80000"/>
-              </a:schemeClr>
-            </a:contourClr>
-          </a:sp3d>
-        </p:spPr>
-        <p:style>
-          <a:lnRef idx="1">
-            <a:schemeClr val="accent1"/>
-          </a:lnRef>
-          <a:fillRef idx="3">
-            <a:schemeClr val="accent1"/>
-          </a:fillRef>
-          <a:effectRef idx="2">
-            <a:schemeClr val="accent1"/>
-          </a:effectRef>
-          <a:fontRef idx="minor">
-            <a:schemeClr val="lt1"/>
-          </a:fontRef>
-        </p:style>
-        <p:txBody>
-          <a:bodyPr rtlCol="0" anchor="ctr"/>
-          <a:lstStyle/>
-          <a:p>
-            <a:pPr algn="ctr"/>
-            <a:endParaRPr lang="en-US"/>
-          </a:p>
-        </p:txBody>
-      </p:sp>
-      <p:sp>
-        <p:nvSpPr>
-          <p:cNvPr id="60" name="Triangle isocèle 59"/>
-          <p:cNvSpPr/>
-          <p:nvPr/>
-        </p:nvSpPr>
-        <p:spPr>
-          <a:xfrm>
-            <a:off x="3644901" y="3073400"/>
-            <a:ext cx="1460500" cy="2273300"/>
-          </a:xfrm>
-          <a:prstGeom prst="triangle">
-            <a:avLst/>
-          </a:prstGeom>
-          <a:solidFill>
-            <a:schemeClr val="tx1">
-              <a:lumMod val="65000"/>
-              <a:lumOff val="35000"/>
-            </a:schemeClr>
-          </a:solidFill>
-          <a:ln>
-            <a:noFill/>
-          </a:ln>
-          <a:effectLst/>
-          <a:scene3d>
-            <a:camera prst="orthographicFront" fov="0">
-              <a:rot lat="0" lon="0" rev="0"/>
-            </a:camera>
-            <a:lightRig rig="brightRoom" dir="tl">
-              <a:rot lat="0" lon="0" rev="8700000"/>
-            </a:lightRig>
-          </a:scene3d>
-          <a:sp3d>
-            <a:bevelT w="0" h="0"/>
-            <a:contourClr>
-              <a:schemeClr val="accent1">
-                <a:shade val="80000"/>
-              </a:schemeClr>
-            </a:contourClr>
-          </a:sp3d>
-        </p:spPr>
-        <p:style>
-          <a:lnRef idx="1">
-            <a:schemeClr val="accent1"/>
-          </a:lnRef>
-          <a:fillRef idx="3">
-            <a:schemeClr val="accent1"/>
-          </a:fillRef>
-          <a:effectRef idx="2">
-            <a:schemeClr val="accent1"/>
-          </a:effectRef>
-          <a:fontRef idx="minor">
-            <a:schemeClr val="lt1"/>
-          </a:fontRef>
-        </p:style>
-        <p:txBody>
-          <a:bodyPr rtlCol="0" anchor="ctr"/>
-          <a:lstStyle/>
-          <a:p>
-            <a:pPr algn="ctr"/>
-            <a:endParaRPr lang="en-US"/>
-          </a:p>
-        </p:txBody>
-      </p:sp>
+            <a:ln>
+              <a:noFill/>
+            </a:ln>
+          </p:spPr>
+          <p:style>
+            <a:lnRef idx="1">
+              <a:schemeClr val="accent1"/>
+            </a:lnRef>
+            <a:fillRef idx="3">
+              <a:schemeClr val="accent1"/>
+            </a:fillRef>
+            <a:effectRef idx="2">
+              <a:schemeClr val="accent1"/>
+            </a:effectRef>
+            <a:fontRef idx="minor">
+              <a:schemeClr val="lt1"/>
+            </a:fontRef>
+          </p:style>
+          <p:txBody>
+            <a:bodyPr rtlCol="0" anchor="ctr"/>
+            <a:lstStyle/>
+            <a:p>
+              <a:pPr algn="ctr"/>
+              <a:endParaRPr lang="en-US"/>
+            </a:p>
+          </p:txBody>
+        </p:sp>
+        <p:grpSp>
+          <p:nvGrpSpPr>
+            <p:cNvPr id="66" name="Grouper 60"/>
+            <p:cNvGrpSpPr/>
+            <p:nvPr/>
+          </p:nvGrpSpPr>
+          <p:grpSpPr>
+            <a:xfrm>
+              <a:off x="1193555" y="1343974"/>
+              <a:ext cx="2129580" cy="4069401"/>
+              <a:chOff x="3644901" y="1277299"/>
+              <a:chExt cx="2129580" cy="4069401"/>
+            </a:xfrm>
+          </p:grpSpPr>
+          <p:sp>
+            <p:nvSpPr>
+              <p:cNvPr id="67" name="Corde 66"/>
+              <p:cNvSpPr/>
+              <p:nvPr/>
+            </p:nvSpPr>
+            <p:spPr>
+              <a:xfrm rot="19097989">
+                <a:off x="4156916" y="1277299"/>
+                <a:ext cx="1617565" cy="3738339"/>
+              </a:xfrm>
+              <a:prstGeom prst="chord">
+                <a:avLst>
+                  <a:gd name="adj1" fmla="val 5517121"/>
+                  <a:gd name="adj2" fmla="val 16009132"/>
+                </a:avLst>
+              </a:prstGeom>
+              <a:solidFill>
+                <a:schemeClr val="tx1">
+                  <a:lumMod val="65000"/>
+                  <a:lumOff val="35000"/>
+                </a:schemeClr>
+              </a:solidFill>
+              <a:ln>
+                <a:noFill/>
+              </a:ln>
+              <a:effectLst/>
+              <a:scene3d>
+                <a:camera prst="orthographicFront" fov="0">
+                  <a:rot lat="0" lon="0" rev="0"/>
+                </a:camera>
+                <a:lightRig rig="brightRoom" dir="tl">
+                  <a:rot lat="0" lon="0" rev="8700000"/>
+                </a:lightRig>
+              </a:scene3d>
+              <a:sp3d>
+                <a:bevelT w="0" h="0"/>
+                <a:contourClr>
+                  <a:schemeClr val="accent1">
+                    <a:shade val="80000"/>
+                  </a:schemeClr>
+                </a:contourClr>
+              </a:sp3d>
+            </p:spPr>
+            <p:style>
+              <a:lnRef idx="1">
+                <a:schemeClr val="accent1"/>
+              </a:lnRef>
+              <a:fillRef idx="3">
+                <a:schemeClr val="accent1"/>
+              </a:fillRef>
+              <a:effectRef idx="2">
+                <a:schemeClr val="accent1"/>
+              </a:effectRef>
+              <a:fontRef idx="minor">
+                <a:schemeClr val="lt1"/>
+              </a:fontRef>
+            </p:style>
+            <p:txBody>
+              <a:bodyPr rtlCol="0" anchor="ctr"/>
+              <a:lstStyle/>
+              <a:p>
+                <a:pPr algn="ctr"/>
+                <a:endParaRPr lang="en-US"/>
+              </a:p>
+            </p:txBody>
+          </p:sp>
+          <p:sp>
+            <p:nvSpPr>
+              <p:cNvPr id="68" name="Triangle isocèle 67"/>
+              <p:cNvSpPr/>
+              <p:nvPr/>
+            </p:nvSpPr>
+            <p:spPr>
+              <a:xfrm>
+                <a:off x="3644901" y="3073400"/>
+                <a:ext cx="1460500" cy="2273300"/>
+              </a:xfrm>
+              <a:prstGeom prst="triangle">
+                <a:avLst/>
+              </a:prstGeom>
+              <a:solidFill>
+                <a:schemeClr val="tx1">
+                  <a:lumMod val="65000"/>
+                  <a:lumOff val="35000"/>
+                </a:schemeClr>
+              </a:solidFill>
+              <a:ln>
+                <a:noFill/>
+              </a:ln>
+              <a:effectLst/>
+              <a:scene3d>
+                <a:camera prst="orthographicFront" fov="0">
+                  <a:rot lat="0" lon="0" rev="0"/>
+                </a:camera>
+                <a:lightRig rig="brightRoom" dir="tl">
+                  <a:rot lat="0" lon="0" rev="8700000"/>
+                </a:lightRig>
+              </a:scene3d>
+              <a:sp3d>
+                <a:bevelT w="0" h="0"/>
+                <a:contourClr>
+                  <a:schemeClr val="accent1">
+                    <a:shade val="80000"/>
+                  </a:schemeClr>
+                </a:contourClr>
+              </a:sp3d>
+            </p:spPr>
+            <p:style>
+              <a:lnRef idx="1">
+                <a:schemeClr val="accent1"/>
+              </a:lnRef>
+              <a:fillRef idx="3">
+                <a:schemeClr val="accent1"/>
+              </a:fillRef>
+              <a:effectRef idx="2">
+                <a:schemeClr val="accent1"/>
+              </a:effectRef>
+              <a:fontRef idx="minor">
+                <a:schemeClr val="lt1"/>
+              </a:fontRef>
+            </p:style>
+            <p:txBody>
+              <a:bodyPr rtlCol="0" anchor="ctr"/>
+              <a:lstStyle/>
+              <a:p>
+                <a:pPr algn="ctr"/>
+                <a:endParaRPr lang="en-US"/>
+              </a:p>
+            </p:txBody>
+          </p:sp>
+        </p:grpSp>
+      </p:grpSp>
     </p:spTree>
   </p:cSld>
   <p:clrMapOvr>

--- a/trunk/saadasvn/graphicalstuff/IconSource.pptx
+++ b/trunk/saadasvn/graphicalstuff/IconSource.pptx
@@ -9048,10 +9048,13 @@
             </a:prstGeom>
             <a:solidFill>
               <a:schemeClr val="accent1">
-                <a:lumMod val="60000"/>
-                <a:lumOff val="40000"/>
+                <a:lumMod val="40000"/>
+                <a:lumOff val="60000"/>
               </a:schemeClr>
             </a:solidFill>
+            <a:ln>
+              <a:noFill/>
+            </a:ln>
             <a:scene3d>
               <a:camera prst="orthographicFront" fov="0">
                 <a:rot lat="0" lon="0" rev="0"/>
@@ -9100,7 +9103,7 @@
           </p:nvSpPr>
           <p:spPr>
             <a:xfrm rot="10800000">
-              <a:off x="3289300" y="4216400"/>
+              <a:off x="5549900" y="4178300"/>
               <a:ext cx="863600" cy="812800"/>
             </a:xfrm>
             <a:prstGeom prst="triangle">
@@ -9161,7 +9164,7 @@
           </p:nvCxnSpPr>
           <p:spPr>
             <a:xfrm>
-              <a:off x="4394200" y="4267200"/>
+              <a:off x="3378200" y="4267200"/>
               <a:ext cx="1993900" cy="1588"/>
             </a:xfrm>
             <a:prstGeom prst="line">
@@ -9193,7 +9196,7 @@
           </p:nvCxnSpPr>
           <p:spPr>
             <a:xfrm>
-              <a:off x="4394200" y="4584700"/>
+              <a:off x="3378200" y="4584700"/>
               <a:ext cx="1993900" cy="1588"/>
             </a:xfrm>
             <a:prstGeom prst="line">
@@ -9225,7 +9228,7 @@
           </p:nvCxnSpPr>
           <p:spPr>
             <a:xfrm>
-              <a:off x="4419600" y="4902200"/>
+              <a:off x="3390900" y="4902200"/>
               <a:ext cx="1993900" cy="1588"/>
             </a:xfrm>
             <a:prstGeom prst="line">
